--- a/PPT/Group_Presentation.pptx
+++ b/PPT/Group_Presentation.pptx
@@ -5,24 +5,21 @@
     <p:sldMasterId id="2147483668" r:id="rId1"/>
   </p:sldMasterIdLst>
   <p:notesMasterIdLst>
-    <p:notesMasterId r:id="rId17"/>
+    <p:notesMasterId r:id="rId14"/>
   </p:notesMasterIdLst>
   <p:sldIdLst>
     <p:sldId id="256" r:id="rId2"/>
     <p:sldId id="257" r:id="rId3"/>
-    <p:sldId id="258" r:id="rId4"/>
-    <p:sldId id="271" r:id="rId5"/>
-    <p:sldId id="272" r:id="rId6"/>
-    <p:sldId id="269" r:id="rId7"/>
-    <p:sldId id="267" r:id="rId8"/>
-    <p:sldId id="268" r:id="rId9"/>
-    <p:sldId id="259" r:id="rId10"/>
-    <p:sldId id="264" r:id="rId11"/>
-    <p:sldId id="265" r:id="rId12"/>
-    <p:sldId id="273" r:id="rId13"/>
-    <p:sldId id="261" r:id="rId14"/>
-    <p:sldId id="262" r:id="rId15"/>
-    <p:sldId id="263" r:id="rId16"/>
+    <p:sldId id="271" r:id="rId4"/>
+    <p:sldId id="272" r:id="rId5"/>
+    <p:sldId id="269" r:id="rId6"/>
+    <p:sldId id="267" r:id="rId7"/>
+    <p:sldId id="268" r:id="rId8"/>
+    <p:sldId id="259" r:id="rId9"/>
+    <p:sldId id="264" r:id="rId10"/>
+    <p:sldId id="265" r:id="rId11"/>
+    <p:sldId id="262" r:id="rId12"/>
+    <p:sldId id="263" r:id="rId13"/>
   </p:sldIdLst>
   <p:sldSz cx="12192000" cy="6858000"/>
   <p:notesSz cx="6858000" cy="9144000"/>
@@ -223,7 +220,7 @@
           <a:p>
             <a:fld id="{16B23004-DC73-824B-82D3-BE3292B16F00}" type="datetimeFigureOut">
               <a:rPr lang="en-US" smtClean="0"/>
-              <a:t>2/13/19</a:t>
+              <a:t>2/16/19</a:t>
             </a:fld>
             <a:endParaRPr lang="en-US"/>
           </a:p>
@@ -618,6 +615,36 @@
           <a:bodyPr/>
           <a:lstStyle/>
           <a:p>
+            <a:r>
+              <a:rPr lang="en-US" dirty="0"/>
+              <a:t>read the file into a pandas data frame, observed n/a values.</a:t>
+            </a:r>
+          </a:p>
+          <a:p>
+            <a:r>
+              <a:rPr lang="en-US" dirty="0"/>
+              <a:t>Discuss insights you had while exploring the data that you did not anticipate: </a:t>
+            </a:r>
+          </a:p>
+          <a:p>
+            <a:r>
+              <a:rPr lang="en-US" dirty="0"/>
+              <a:t>accuracy of race identification</a:t>
+            </a:r>
+          </a:p>
+          <a:p>
+            <a:r>
+              <a:rPr lang="en-US" dirty="0"/>
+              <a:t>Discuss any problems that arose after exploring the data, and how you resolved them: </a:t>
+            </a:r>
+          </a:p>
+          <a:p>
+            <a:r>
+              <a:rPr lang="en-US" dirty="0"/>
+              <a:t>n/a values – researched through MN website; figuring out how to deal with date timestamps</a:t>
+            </a:r>
+          </a:p>
+          <a:p>
             <a:endParaRPr lang="en-US" dirty="0"/>
           </a:p>
         </p:txBody>
@@ -648,7 +675,7 @@
     </p:spTree>
     <p:extLst>
       <p:ext uri="{BB962C8B-B14F-4D97-AF65-F5344CB8AC3E}">
-        <p14:creationId xmlns:p14="http://schemas.microsoft.com/office/powerpoint/2010/main" val="3524447889"/>
+        <p14:creationId xmlns:p14="http://schemas.microsoft.com/office/powerpoint/2010/main" val="4189489262"/>
       </p:ext>
     </p:extLst>
   </p:cSld>
@@ -702,36 +729,6 @@
           <a:bodyPr/>
           <a:lstStyle/>
           <a:p>
-            <a:r>
-              <a:rPr lang="en-US" dirty="0"/>
-              <a:t>read the file into a pandas data frame, observed n/a values.</a:t>
-            </a:r>
-          </a:p>
-          <a:p>
-            <a:r>
-              <a:rPr lang="en-US" dirty="0"/>
-              <a:t>Discuss insights you had while exploring the data that you did not anticipate: </a:t>
-            </a:r>
-          </a:p>
-          <a:p>
-            <a:r>
-              <a:rPr lang="en-US" dirty="0"/>
-              <a:t>accuracy of race identification</a:t>
-            </a:r>
-          </a:p>
-          <a:p>
-            <a:r>
-              <a:rPr lang="en-US" dirty="0"/>
-              <a:t>Discuss any problems that arose after exploring the data, and how you resolved them: </a:t>
-            </a:r>
-          </a:p>
-          <a:p>
-            <a:r>
-              <a:rPr lang="en-US" dirty="0"/>
-              <a:t>n/a values – researched through MN website; figuring out how to deal with date timestamps</a:t>
-            </a:r>
-          </a:p>
-          <a:p>
             <a:endParaRPr lang="en-US" dirty="0"/>
           </a:p>
         </p:txBody>
@@ -762,7 +759,7 @@
     </p:spTree>
     <p:extLst>
       <p:ext uri="{BB962C8B-B14F-4D97-AF65-F5344CB8AC3E}">
-        <p14:creationId xmlns:p14="http://schemas.microsoft.com/office/powerpoint/2010/main" val="4189489262"/>
+        <p14:creationId xmlns:p14="http://schemas.microsoft.com/office/powerpoint/2010/main" val="1771792624"/>
       </p:ext>
     </p:extLst>
   </p:cSld>
@@ -846,7 +843,7 @@
     </p:spTree>
     <p:extLst>
       <p:ext uri="{BB962C8B-B14F-4D97-AF65-F5344CB8AC3E}">
-        <p14:creationId xmlns:p14="http://schemas.microsoft.com/office/powerpoint/2010/main" val="1771792624"/>
+        <p14:creationId xmlns:p14="http://schemas.microsoft.com/office/powerpoint/2010/main" val="2950986358"/>
       </p:ext>
     </p:extLst>
   </p:cSld>
@@ -930,7 +927,7 @@
     </p:spTree>
     <p:extLst>
       <p:ext uri="{BB962C8B-B14F-4D97-AF65-F5344CB8AC3E}">
-        <p14:creationId xmlns:p14="http://schemas.microsoft.com/office/powerpoint/2010/main" val="2950986358"/>
+        <p14:creationId xmlns:p14="http://schemas.microsoft.com/office/powerpoint/2010/main" val="3544906111"/>
       </p:ext>
     </p:extLst>
   </p:cSld>
@@ -1005,7 +1002,7 @@
           <a:p>
             <a:fld id="{0FEE7830-29E6-5040-BC4F-D437EE0B6FD5}" type="slidenum">
               <a:rPr lang="en-US" smtClean="0"/>
-              <a:t>7</a:t>
+              <a:t>8</a:t>
             </a:fld>
             <a:endParaRPr lang="en-US"/>
           </a:p>
@@ -1014,7 +1011,7 @@
     </p:spTree>
     <p:extLst>
       <p:ext uri="{BB962C8B-B14F-4D97-AF65-F5344CB8AC3E}">
-        <p14:creationId xmlns:p14="http://schemas.microsoft.com/office/powerpoint/2010/main" val="3544906111"/>
+        <p14:creationId xmlns:p14="http://schemas.microsoft.com/office/powerpoint/2010/main" val="1357329539"/>
       </p:ext>
     </p:extLst>
   </p:cSld>
@@ -1098,7 +1095,7 @@
     </p:spTree>
     <p:extLst>
       <p:ext uri="{BB962C8B-B14F-4D97-AF65-F5344CB8AC3E}">
-        <p14:creationId xmlns:p14="http://schemas.microsoft.com/office/powerpoint/2010/main" val="1357329539"/>
+        <p14:creationId xmlns:p14="http://schemas.microsoft.com/office/powerpoint/2010/main" val="3940827689"/>
       </p:ext>
     </p:extLst>
   </p:cSld>
@@ -1174,90 +1171,6 @@
             <a:fld id="{0FEE7830-29E6-5040-BC4F-D437EE0B6FD5}" type="slidenum">
               <a:rPr lang="en-US" smtClean="0"/>
               <a:t>10</a:t>
-            </a:fld>
-            <a:endParaRPr lang="en-US"/>
-          </a:p>
-        </p:txBody>
-      </p:sp>
-    </p:spTree>
-    <p:extLst>
-      <p:ext uri="{BB962C8B-B14F-4D97-AF65-F5344CB8AC3E}">
-        <p14:creationId xmlns:p14="http://schemas.microsoft.com/office/powerpoint/2010/main" val="3940827689"/>
-      </p:ext>
-    </p:extLst>
-  </p:cSld>
-  <p:clrMapOvr>
-    <a:masterClrMapping/>
-  </p:clrMapOvr>
-</p:notes>
-</file>
-
-<file path=ppt/notesSlides/notesSlide9.xml><?xml version="1.0" encoding="utf-8"?>
-<p:notes xmlns:a="http://schemas.openxmlformats.org/drawingml/2006/main" xmlns:r="http://schemas.openxmlformats.org/officeDocument/2006/relationships" xmlns:p="http://schemas.openxmlformats.org/presentationml/2006/main">
-  <p:cSld>
-    <p:spTree>
-      <p:nvGrpSpPr>
-        <p:cNvPr id="1" name=""/>
-        <p:cNvGrpSpPr/>
-        <p:nvPr/>
-      </p:nvGrpSpPr>
-      <p:grpSpPr>
-        <a:xfrm>
-          <a:off x="0" y="0"/>
-          <a:ext cx="0" cy="0"/>
-          <a:chOff x="0" y="0"/>
-          <a:chExt cx="0" cy="0"/>
-        </a:xfrm>
-      </p:grpSpPr>
-      <p:sp>
-        <p:nvSpPr>
-          <p:cNvPr id="2" name="Slide Image Placeholder 1"/>
-          <p:cNvSpPr>
-            <a:spLocks noGrp="1" noRot="1" noChangeAspect="1"/>
-          </p:cNvSpPr>
-          <p:nvPr>
-            <p:ph type="sldImg"/>
-          </p:nvPr>
-        </p:nvSpPr>
-        <p:spPr/>
-      </p:sp>
-      <p:sp>
-        <p:nvSpPr>
-          <p:cNvPr id="3" name="Notes Placeholder 2"/>
-          <p:cNvSpPr>
-            <a:spLocks noGrp="1"/>
-          </p:cNvSpPr>
-          <p:nvPr>
-            <p:ph type="body" idx="1"/>
-          </p:nvPr>
-        </p:nvSpPr>
-        <p:spPr/>
-        <p:txBody>
-          <a:bodyPr/>
-          <a:lstStyle/>
-          <a:p>
-            <a:endParaRPr lang="en-US" dirty="0"/>
-          </a:p>
-        </p:txBody>
-      </p:sp>
-      <p:sp>
-        <p:nvSpPr>
-          <p:cNvPr id="4" name="Slide Number Placeholder 3"/>
-          <p:cNvSpPr>
-            <a:spLocks noGrp="1"/>
-          </p:cNvSpPr>
-          <p:nvPr>
-            <p:ph type="sldNum" sz="quarter" idx="5"/>
-          </p:nvPr>
-        </p:nvSpPr>
-        <p:spPr/>
-        <p:txBody>
-          <a:bodyPr/>
-          <a:lstStyle/>
-          <a:p>
-            <a:fld id="{0FEE7830-29E6-5040-BC4F-D437EE0B6FD5}" type="slidenum">
-              <a:rPr lang="en-US" smtClean="0"/>
-              <a:t>11</a:t>
             </a:fld>
             <a:endParaRPr lang="en-US"/>
           </a:p>
@@ -1424,7 +1337,7 @@
             <a:fld id="{B61BEF0D-F0BB-DE4B-95CE-6DB70DBA9567}" type="datetimeFigureOut">
               <a:rPr lang="en-US" smtClean="0"/>
               <a:pPr/>
-              <a:t>2/13/19</a:t>
+              <a:t>2/16/19</a:t>
             </a:fld>
             <a:endParaRPr lang="en-US" dirty="0"/>
           </a:p>
@@ -1624,7 +1537,7 @@
             <a:fld id="{B61BEF0D-F0BB-DE4B-95CE-6DB70DBA9567}" type="datetimeFigureOut">
               <a:rPr lang="en-US" smtClean="0"/>
               <a:pPr/>
-              <a:t>2/13/19</a:t>
+              <a:t>2/16/19</a:t>
             </a:fld>
             <a:endParaRPr lang="en-US" dirty="0"/>
           </a:p>
@@ -1834,7 +1747,7 @@
             <a:fld id="{B61BEF0D-F0BB-DE4B-95CE-6DB70DBA9567}" type="datetimeFigureOut">
               <a:rPr lang="en-US" smtClean="0"/>
               <a:pPr/>
-              <a:t>2/13/19</a:t>
+              <a:t>2/16/19</a:t>
             </a:fld>
             <a:endParaRPr lang="en-US" dirty="0"/>
           </a:p>
@@ -2034,7 +1947,7 @@
             <a:fld id="{B61BEF0D-F0BB-DE4B-95CE-6DB70DBA9567}" type="datetimeFigureOut">
               <a:rPr lang="en-US" smtClean="0"/>
               <a:pPr/>
-              <a:t>2/13/19</a:t>
+              <a:t>2/16/19</a:t>
             </a:fld>
             <a:endParaRPr lang="en-US" dirty="0"/>
           </a:p>
@@ -2311,7 +2224,7 @@
             <a:fld id="{B61BEF0D-F0BB-DE4B-95CE-6DB70DBA9567}" type="datetimeFigureOut">
               <a:rPr lang="en-US" smtClean="0"/>
               <a:pPr/>
-              <a:t>2/13/19</a:t>
+              <a:t>2/16/19</a:t>
             </a:fld>
             <a:endParaRPr lang="en-US" dirty="0"/>
           </a:p>
@@ -2578,7 +2491,7 @@
             <a:fld id="{B61BEF0D-F0BB-DE4B-95CE-6DB70DBA9567}" type="datetimeFigureOut">
               <a:rPr lang="en-US" smtClean="0"/>
               <a:pPr/>
-              <a:t>2/13/19</a:t>
+              <a:t>2/16/19</a:t>
             </a:fld>
             <a:endParaRPr lang="en-US" dirty="0"/>
           </a:p>
@@ -2992,7 +2905,7 @@
             <a:fld id="{B61BEF0D-F0BB-DE4B-95CE-6DB70DBA9567}" type="datetimeFigureOut">
               <a:rPr lang="en-US" smtClean="0"/>
               <a:pPr/>
-              <a:t>2/13/19</a:t>
+              <a:t>2/16/19</a:t>
             </a:fld>
             <a:endParaRPr lang="en-US" dirty="0"/>
           </a:p>
@@ -3135,7 +3048,7 @@
             <a:fld id="{B61BEF0D-F0BB-DE4B-95CE-6DB70DBA9567}" type="datetimeFigureOut">
               <a:rPr lang="en-US" smtClean="0"/>
               <a:pPr/>
-              <a:t>2/13/19</a:t>
+              <a:t>2/16/19</a:t>
             </a:fld>
             <a:endParaRPr lang="en-US" dirty="0"/>
           </a:p>
@@ -3250,7 +3163,7 @@
             <a:fld id="{B61BEF0D-F0BB-DE4B-95CE-6DB70DBA9567}" type="datetimeFigureOut">
               <a:rPr lang="en-US" smtClean="0"/>
               <a:pPr/>
-              <a:t>2/13/19</a:t>
+              <a:t>2/16/19</a:t>
             </a:fld>
             <a:endParaRPr lang="en-US" dirty="0"/>
           </a:p>
@@ -3563,7 +3476,7 @@
             <a:fld id="{B61BEF0D-F0BB-DE4B-95CE-6DB70DBA9567}" type="datetimeFigureOut">
               <a:rPr lang="en-US" smtClean="0"/>
               <a:pPr/>
-              <a:t>2/13/19</a:t>
+              <a:t>2/16/19</a:t>
             </a:fld>
             <a:endParaRPr lang="en-US" dirty="0"/>
           </a:p>
@@ -3853,7 +3766,7 @@
             <a:fld id="{B61BEF0D-F0BB-DE4B-95CE-6DB70DBA9567}" type="datetimeFigureOut">
               <a:rPr lang="en-US" smtClean="0"/>
               <a:pPr/>
-              <a:t>2/13/19</a:t>
+              <a:t>2/16/19</a:t>
             </a:fld>
             <a:endParaRPr lang="en-US" dirty="0"/>
           </a:p>
@@ -4096,7 +4009,7 @@
             <a:fld id="{B61BEF0D-F0BB-DE4B-95CE-6DB70DBA9567}" type="datetimeFigureOut">
               <a:rPr lang="en-US" smtClean="0"/>
               <a:pPr/>
-              <a:t>2/13/19</a:t>
+              <a:t>2/16/19</a:t>
             </a:fld>
             <a:endParaRPr lang="en-US" dirty="0"/>
           </a:p>
@@ -4640,44 +4553,19 @@
             </a:br>
             <a:r>
               <a:rPr lang="en-US" sz="2800" dirty="0"/>
-              <a:t>Who has better pricing?</a:t>
+              <a:t>What is the likelihood that amount of ski-able terrain results in higher lift ticket prices?</a:t>
             </a:r>
             <a:br>
-              <a:rPr lang="en-US" sz="2700" dirty="0"/>
+              <a:rPr lang="en-US" sz="2800" dirty="0"/>
             </a:br>
             <a:endParaRPr lang="en-US" sz="2700" dirty="0"/>
-          </a:p>
-        </p:txBody>
-      </p:sp>
-      <p:sp>
-        <p:nvSpPr>
-          <p:cNvPr id="4" name="Content Placeholder 3">
-            <a:extLst>
-              <a:ext uri="{FF2B5EF4-FFF2-40B4-BE49-F238E27FC236}">
-                <a16:creationId xmlns:a16="http://schemas.microsoft.com/office/drawing/2014/main" id="{DE984945-CFFF-6649-A6D3-18458D4C33E1}"/>
-              </a:ext>
-            </a:extLst>
-          </p:cNvPr>
-          <p:cNvSpPr>
-            <a:spLocks noGrp="1"/>
-          </p:cNvSpPr>
-          <p:nvPr>
-            <p:ph idx="1"/>
-          </p:nvPr>
-        </p:nvSpPr>
-        <p:spPr/>
-        <p:txBody>
-          <a:bodyPr/>
-          <a:lstStyle/>
-          <a:p>
-            <a:endParaRPr lang="en-US"/>
           </a:p>
         </p:txBody>
       </p:sp>
     </p:spTree>
     <p:extLst>
       <p:ext uri="{BB962C8B-B14F-4D97-AF65-F5344CB8AC3E}">
-        <p14:creationId xmlns:p14="http://schemas.microsoft.com/office/powerpoint/2010/main" val="614243488"/>
+        <p14:creationId xmlns:p14="http://schemas.microsoft.com/office/powerpoint/2010/main" val="476785398"/>
       </p:ext>
     </p:extLst>
   </p:cSld>
@@ -4709,7 +4597,7 @@
           <p:cNvPr id="2" name="Title 1">
             <a:extLst>
               <a:ext uri="{FF2B5EF4-FFF2-40B4-BE49-F238E27FC236}">
-                <a16:creationId xmlns:a16="http://schemas.microsoft.com/office/drawing/2014/main" id="{3567B772-6944-9443-A262-6FC36ED6D494}"/>
+                <a16:creationId xmlns:a16="http://schemas.microsoft.com/office/drawing/2014/main" id="{2988C076-FC55-F34A-813F-CF4ED7A3F89E}"/>
               </a:ext>
             </a:extLst>
           </p:cNvPr>
@@ -4722,166 +4610,12 @@
         </p:nvSpPr>
         <p:spPr/>
         <p:txBody>
-          <a:bodyPr>
-            <a:normAutofit fontScale="90000"/>
-          </a:bodyPr>
+          <a:bodyPr/>
           <a:lstStyle/>
           <a:p>
             <a:r>
               <a:rPr lang="en-US" dirty="0"/>
-              <a:t>Data Analysis</a:t>
-            </a:r>
-            <a:br>
-              <a:rPr lang="en-US" dirty="0"/>
-            </a:br>
-            <a:r>
-              <a:rPr lang="en-US" sz="2800" dirty="0"/>
-              <a:t>What is the likelihood that amount of ski-able terrain results in higher lift ticket prices?</a:t>
-            </a:r>
-            <a:br>
-              <a:rPr lang="en-US" sz="2800" dirty="0"/>
-            </a:br>
-            <a:endParaRPr lang="en-US" sz="2700" dirty="0"/>
-          </a:p>
-        </p:txBody>
-      </p:sp>
-      <p:sp>
-        <p:nvSpPr>
-          <p:cNvPr id="4" name="Content Placeholder 3">
-            <a:extLst>
-              <a:ext uri="{FF2B5EF4-FFF2-40B4-BE49-F238E27FC236}">
-                <a16:creationId xmlns:a16="http://schemas.microsoft.com/office/drawing/2014/main" id="{87A8A658-4201-784E-9385-3CE57F7515C8}"/>
-              </a:ext>
-            </a:extLst>
-          </p:cNvPr>
-          <p:cNvSpPr>
-            <a:spLocks noGrp="1"/>
-          </p:cNvSpPr>
-          <p:nvPr>
-            <p:ph idx="1"/>
-          </p:nvPr>
-        </p:nvSpPr>
-        <p:spPr/>
-        <p:txBody>
-          <a:bodyPr/>
-          <a:lstStyle/>
-          <a:p>
-            <a:endParaRPr lang="en-US"/>
-          </a:p>
-        </p:txBody>
-      </p:sp>
-    </p:spTree>
-    <p:extLst>
-      <p:ext uri="{BB962C8B-B14F-4D97-AF65-F5344CB8AC3E}">
-        <p14:creationId xmlns:p14="http://schemas.microsoft.com/office/powerpoint/2010/main" val="476785398"/>
-      </p:ext>
-    </p:extLst>
-  </p:cSld>
-  <p:clrMapOvr>
-    <a:masterClrMapping/>
-  </p:clrMapOvr>
-</p:sld>
-</file>
-
-<file path=ppt/slides/slide12.xml><?xml version="1.0" encoding="utf-8"?>
-<p:sld xmlns:a="http://schemas.openxmlformats.org/drawingml/2006/main" xmlns:r="http://schemas.openxmlformats.org/officeDocument/2006/relationships" xmlns:p="http://schemas.openxmlformats.org/presentationml/2006/main">
-  <p:cSld>
-    <p:spTree>
-      <p:nvGrpSpPr>
-        <p:cNvPr id="1" name=""/>
-        <p:cNvGrpSpPr/>
-        <p:nvPr/>
-      </p:nvGrpSpPr>
-      <p:grpSpPr>
-        <a:xfrm>
-          <a:off x="0" y="0"/>
-          <a:ext cx="0" cy="0"/>
-          <a:chOff x="0" y="0"/>
-          <a:chExt cx="0" cy="0"/>
-        </a:xfrm>
-      </p:grpSpPr>
-      <p:sp>
-        <p:nvSpPr>
-          <p:cNvPr id="2" name="Title 1">
-            <a:extLst>
-              <a:ext uri="{FF2B5EF4-FFF2-40B4-BE49-F238E27FC236}">
-                <a16:creationId xmlns:a16="http://schemas.microsoft.com/office/drawing/2014/main" id="{CAD3E20B-6370-4E0A-84FF-31B3B4107D50}"/>
-              </a:ext>
-            </a:extLst>
-          </p:cNvPr>
-          <p:cNvSpPr>
-            <a:spLocks noGrp="1"/>
-          </p:cNvSpPr>
-          <p:nvPr>
-            <p:ph type="title"/>
-          </p:nvPr>
-        </p:nvSpPr>
-        <p:spPr/>
-        <p:txBody>
-          <a:bodyPr/>
-          <a:lstStyle/>
-          <a:p>
-            <a:r>
-              <a:rPr lang="en-US" dirty="0"/>
-              <a:t>Statistical Analysis</a:t>
-            </a:r>
-          </a:p>
-        </p:txBody>
-      </p:sp>
-    </p:spTree>
-    <p:extLst>
-      <p:ext uri="{BB962C8B-B14F-4D97-AF65-F5344CB8AC3E}">
-        <p14:creationId xmlns:p14="http://schemas.microsoft.com/office/powerpoint/2010/main" val="2948604902"/>
-      </p:ext>
-    </p:extLst>
-  </p:cSld>
-  <p:clrMapOvr>
-    <a:masterClrMapping/>
-  </p:clrMapOvr>
-</p:sld>
-</file>
-
-<file path=ppt/slides/slide13.xml><?xml version="1.0" encoding="utf-8"?>
-<p:sld xmlns:a="http://schemas.openxmlformats.org/drawingml/2006/main" xmlns:r="http://schemas.openxmlformats.org/officeDocument/2006/relationships" xmlns:p="http://schemas.openxmlformats.org/presentationml/2006/main">
-  <p:cSld>
-    <p:spTree>
-      <p:nvGrpSpPr>
-        <p:cNvPr id="1" name=""/>
-        <p:cNvGrpSpPr/>
-        <p:nvPr/>
-      </p:nvGrpSpPr>
-      <p:grpSpPr>
-        <a:xfrm>
-          <a:off x="0" y="0"/>
-          <a:ext cx="0" cy="0"/>
-          <a:chOff x="0" y="0"/>
-          <a:chExt cx="0" cy="0"/>
-        </a:xfrm>
-      </p:grpSpPr>
-      <p:sp>
-        <p:nvSpPr>
-          <p:cNvPr id="2" name="Title 1">
-            <a:extLst>
-              <a:ext uri="{FF2B5EF4-FFF2-40B4-BE49-F238E27FC236}">
-                <a16:creationId xmlns:a16="http://schemas.microsoft.com/office/drawing/2014/main" id="{83826A3F-87CE-3F47-972A-CF8FCB9974AC}"/>
-              </a:ext>
-            </a:extLst>
-          </p:cNvPr>
-          <p:cNvSpPr>
-            <a:spLocks noGrp="1"/>
-          </p:cNvSpPr>
-          <p:nvPr>
-            <p:ph type="title"/>
-          </p:nvPr>
-        </p:nvSpPr>
-        <p:spPr/>
-        <p:txBody>
-          <a:bodyPr/>
-          <a:lstStyle/>
-          <a:p>
-            <a:r>
-              <a:rPr lang="en-US" dirty="0"/>
-              <a:t>Findings</a:t>
+              <a:t>Post Mortem</a:t>
             </a:r>
           </a:p>
         </p:txBody>
@@ -4891,7 +4625,7 @@
           <p:cNvPr id="3" name="Content Placeholder 2">
             <a:extLst>
               <a:ext uri="{FF2B5EF4-FFF2-40B4-BE49-F238E27FC236}">
-                <a16:creationId xmlns:a16="http://schemas.microsoft.com/office/drawing/2014/main" id="{F4B5A2A6-9C9A-444D-B1D4-5C020F32EE03}"/>
+                <a16:creationId xmlns:a16="http://schemas.microsoft.com/office/drawing/2014/main" id="{AA3A6A96-5BBB-D244-A28F-5D000F2DAA3D}"/>
               </a:ext>
             </a:extLst>
           </p:cNvPr>
@@ -4911,117 +4645,14 @@
           <a:p>
             <a:r>
               <a:rPr lang="en-US" dirty="0"/>
-              <a:t>Finding 1</a:t>
-            </a:r>
-          </a:p>
-          <a:p>
+              <a:t>Data Limitations</a:t>
+            </a:r>
+          </a:p>
+          <a:p>
+            <a:pPr lvl="1"/>
             <a:r>
               <a:rPr lang="en-US" dirty="0"/>
-              <a:t>Finding 2</a:t>
-            </a:r>
-          </a:p>
-          <a:p>
-            <a:r>
-              <a:rPr lang="en-US" dirty="0"/>
-              <a:t>Finding 3</a:t>
-            </a:r>
-          </a:p>
-          <a:p>
-            <a:endParaRPr lang="en-US" dirty="0"/>
-          </a:p>
-        </p:txBody>
-      </p:sp>
-    </p:spTree>
-    <p:extLst>
-      <p:ext uri="{BB962C8B-B14F-4D97-AF65-F5344CB8AC3E}">
-        <p14:creationId xmlns:p14="http://schemas.microsoft.com/office/powerpoint/2010/main" val="3920256646"/>
-      </p:ext>
-    </p:extLst>
-  </p:cSld>
-  <p:clrMapOvr>
-    <a:masterClrMapping/>
-  </p:clrMapOvr>
-</p:sld>
-</file>
-
-<file path=ppt/slides/slide14.xml><?xml version="1.0" encoding="utf-8"?>
-<p:sld xmlns:a="http://schemas.openxmlformats.org/drawingml/2006/main" xmlns:r="http://schemas.openxmlformats.org/officeDocument/2006/relationships" xmlns:p="http://schemas.openxmlformats.org/presentationml/2006/main">
-  <p:cSld>
-    <p:spTree>
-      <p:nvGrpSpPr>
-        <p:cNvPr id="1" name=""/>
-        <p:cNvGrpSpPr/>
-        <p:nvPr/>
-      </p:nvGrpSpPr>
-      <p:grpSpPr>
-        <a:xfrm>
-          <a:off x="0" y="0"/>
-          <a:ext cx="0" cy="0"/>
-          <a:chOff x="0" y="0"/>
-          <a:chExt cx="0" cy="0"/>
-        </a:xfrm>
-      </p:grpSpPr>
-      <p:sp>
-        <p:nvSpPr>
-          <p:cNvPr id="2" name="Title 1">
-            <a:extLst>
-              <a:ext uri="{FF2B5EF4-FFF2-40B4-BE49-F238E27FC236}">
-                <a16:creationId xmlns:a16="http://schemas.microsoft.com/office/drawing/2014/main" id="{2988C076-FC55-F34A-813F-CF4ED7A3F89E}"/>
-              </a:ext>
-            </a:extLst>
-          </p:cNvPr>
-          <p:cNvSpPr>
-            <a:spLocks noGrp="1"/>
-          </p:cNvSpPr>
-          <p:nvPr>
-            <p:ph type="title"/>
-          </p:nvPr>
-        </p:nvSpPr>
-        <p:spPr/>
-        <p:txBody>
-          <a:bodyPr/>
-          <a:lstStyle/>
-          <a:p>
-            <a:r>
-              <a:rPr lang="en-US" dirty="0"/>
-              <a:t>Post Mortem</a:t>
-            </a:r>
-          </a:p>
-        </p:txBody>
-      </p:sp>
-      <p:sp>
-        <p:nvSpPr>
-          <p:cNvPr id="3" name="Content Placeholder 2">
-            <a:extLst>
-              <a:ext uri="{FF2B5EF4-FFF2-40B4-BE49-F238E27FC236}">
-                <a16:creationId xmlns:a16="http://schemas.microsoft.com/office/drawing/2014/main" id="{AA3A6A96-5BBB-D244-A28F-5D000F2DAA3D}"/>
-              </a:ext>
-            </a:extLst>
-          </p:cNvPr>
-          <p:cNvSpPr>
-            <a:spLocks noGrp="1"/>
-          </p:cNvSpPr>
-          <p:nvPr>
-            <p:ph idx="1"/>
-          </p:nvPr>
-        </p:nvSpPr>
-        <p:spPr/>
-        <p:txBody>
-          <a:bodyPr>
-            <a:normAutofit/>
-          </a:bodyPr>
-          <a:lstStyle/>
-          <a:p>
-            <a:r>
-              <a:rPr lang="en-US" dirty="0"/>
-              <a:t>Data Limitations</a:t>
-            </a:r>
-          </a:p>
-          <a:p>
-            <a:pPr lvl="1"/>
-            <a:r>
-              <a:rPr lang="en-US" dirty="0"/>
-              <a:t>XXX</a:t>
+              <a:t>Many of the attributes in the original data set were missing</a:t>
             </a:r>
           </a:p>
           <a:p>
@@ -5052,7 +4683,7 @@
 </p:sld>
 </file>
 
-<file path=ppt/slides/slide15.xml><?xml version="1.0" encoding="utf-8"?>
+<file path=ppt/slides/slide12.xml><?xml version="1.0" encoding="utf-8"?>
 <p:sld xmlns:a="http://schemas.openxmlformats.org/drawingml/2006/main" xmlns:r="http://schemas.openxmlformats.org/officeDocument/2006/relationships" xmlns:p="http://schemas.openxmlformats.org/presentationml/2006/main">
   <p:cSld>
     <p:spTree>
@@ -5178,13 +4809,19 @@
           <a:p>
             <a:r>
               <a:rPr lang="en-US" dirty="0"/>
-              <a:t>Our project was to evaluate ski resorts across North America. </a:t>
+              <a:t>We need a VACATION!</a:t>
             </a:r>
           </a:p>
           <a:p>
             <a:r>
               <a:rPr lang="en-US" dirty="0"/>
-              <a:t>Factors that were explored included location, altitude, ski lift pricing, XXXX etc.</a:t>
+              <a:t>Chose to evaluate ski resorts across North America</a:t>
+            </a:r>
+          </a:p>
+          <a:p>
+            <a:r>
+              <a:rPr lang="en-US" dirty="0"/>
+              <a:t>Providing a way to look at many resorts before honing in on a location that suits an end user’s needs</a:t>
             </a:r>
           </a:p>
           <a:p>
@@ -5231,7 +4868,7 @@
           <p:cNvPr id="2" name="Title 1">
             <a:extLst>
               <a:ext uri="{FF2B5EF4-FFF2-40B4-BE49-F238E27FC236}">
-                <a16:creationId xmlns:a16="http://schemas.microsoft.com/office/drawing/2014/main" id="{398FE7F9-A232-574E-AA11-FBB8FD4FD32F}"/>
+                <a16:creationId xmlns:a16="http://schemas.microsoft.com/office/drawing/2014/main" id="{D959FD2A-9DA5-4207-8204-71DE0A31E608}"/>
               </a:ext>
             </a:extLst>
           </p:cNvPr>
@@ -5249,7 +4886,7 @@
           <a:p>
             <a:r>
               <a:rPr lang="en-US" dirty="0"/>
-              <a:t>Research Questions</a:t>
+              <a:t>Data Cleanup &amp; Exploration</a:t>
             </a:r>
           </a:p>
         </p:txBody>
@@ -5259,7 +4896,7 @@
           <p:cNvPr id="3" name="Content Placeholder 2">
             <a:extLst>
               <a:ext uri="{FF2B5EF4-FFF2-40B4-BE49-F238E27FC236}">
-                <a16:creationId xmlns:a16="http://schemas.microsoft.com/office/drawing/2014/main" id="{4813C174-B9B3-4947-851D-54E1944CF036}"/>
+                <a16:creationId xmlns:a16="http://schemas.microsoft.com/office/drawing/2014/main" id="{945F6BAE-C6BC-4B19-91EC-1E4C3312A191}"/>
               </a:ext>
             </a:extLst>
           </p:cNvPr>
@@ -5273,31 +4910,83 @@
         <p:spPr/>
         <p:txBody>
           <a:bodyPr>
-            <a:normAutofit/>
+            <a:normAutofit fontScale="92500" lnSpcReduction="10000"/>
           </a:bodyPr>
           <a:lstStyle/>
           <a:p>
             <a:r>
               <a:rPr lang="en-US" dirty="0"/>
-              <a:t>Is it possible to determine who is better, USA or Canada?</a:t>
+              <a:t>Describe the exploration and cleanup process</a:t>
             </a:r>
           </a:p>
           <a:p>
             <a:pPr lvl="1"/>
             <a:r>
               <a:rPr lang="en-US" dirty="0"/>
-              <a:t>Availability of resorts</a:t>
+              <a:t>Read file into </a:t>
+            </a:r>
+            <a:r>
+              <a:rPr lang="en-US" dirty="0" err="1"/>
+              <a:t>dataframe</a:t>
+            </a:r>
+            <a:r>
+              <a:rPr lang="en-US" dirty="0"/>
+              <a:t>, observed N/A values</a:t>
             </a:r>
           </a:p>
           <a:p>
             <a:pPr lvl="1"/>
-            <a:endParaRPr lang="en-US" dirty="0"/>
-          </a:p>
-          <a:p>
-            <a:pPr lvl="0"/>
-            <a:r>
-              <a:rPr lang="en-US" i="1" dirty="0"/>
-              <a:t>We had difficulty answering these questions definitively due to limitations in data used. </a:t>
+            <a:r>
+              <a:rPr lang="en-US" dirty="0"/>
+              <a:t>Removed columns with missing information</a:t>
+            </a:r>
+          </a:p>
+          <a:p>
+            <a:pPr lvl="1"/>
+            <a:r>
+              <a:rPr lang="en-US" dirty="0"/>
+              <a:t>Removed incorrect information (e.g. Greenland, </a:t>
+            </a:r>
+            <a:r>
+              <a:rPr lang="en-US" dirty="0" err="1"/>
+              <a:t>lat</a:t>
+            </a:r>
+            <a:r>
+              <a:rPr lang="en-US" dirty="0"/>
+              <a:t>/long for certain resorts)</a:t>
+            </a:r>
+          </a:p>
+          <a:p>
+            <a:r>
+              <a:rPr lang="en-US" dirty="0"/>
+              <a:t>Discuss insights you had while exploring the data that you didn't anticipate</a:t>
+            </a:r>
+          </a:p>
+          <a:p>
+            <a:pPr lvl="1"/>
+            <a:r>
+              <a:rPr lang="en-US" dirty="0"/>
+              <a:t>The amount of missing data</a:t>
+            </a:r>
+          </a:p>
+          <a:p>
+            <a:pPr lvl="1"/>
+            <a:r>
+              <a:rPr lang="en-US" dirty="0"/>
+              <a:t>While there are 2/3 more resorts in USA versus Canada, Canada’s resorts are more densely populated (e.g. # of resorts per province generally greater than # of resorts per state with the exception of Colorado)</a:t>
+            </a:r>
+          </a:p>
+          <a:p>
+            <a:r>
+              <a:rPr lang="en-US" dirty="0"/>
+              <a:t>Discuss any problems that arose after exploring the data, and how you resolved them</a:t>
+            </a:r>
+          </a:p>
+          <a:p>
+            <a:pPr lvl="1"/>
+            <a:r>
+              <a:rPr lang="en-US" dirty="0"/>
+              <a:t>TBD</a:t>
             </a:r>
           </a:p>
         </p:txBody>
@@ -5305,7 +4994,7 @@
     </p:spTree>
     <p:extLst>
       <p:ext uri="{BB962C8B-B14F-4D97-AF65-F5344CB8AC3E}">
-        <p14:creationId xmlns:p14="http://schemas.microsoft.com/office/powerpoint/2010/main" val="530936973"/>
+        <p14:creationId xmlns:p14="http://schemas.microsoft.com/office/powerpoint/2010/main" val="1730122896"/>
       </p:ext>
     </p:extLst>
   </p:cSld>
@@ -5337,7 +5026,7 @@
           <p:cNvPr id="2" name="Title 1">
             <a:extLst>
               <a:ext uri="{FF2B5EF4-FFF2-40B4-BE49-F238E27FC236}">
-                <a16:creationId xmlns:a16="http://schemas.microsoft.com/office/drawing/2014/main" id="{D959FD2A-9DA5-4207-8204-71DE0A31E608}"/>
+                <a16:creationId xmlns:a16="http://schemas.microsoft.com/office/drawing/2014/main" id="{EF47E3F4-672C-4C3E-8E86-422F82FAB3C6}"/>
               </a:ext>
             </a:extLst>
           </p:cNvPr>
@@ -5346,34 +5035,6 @@
           </p:cNvSpPr>
           <p:nvPr>
             <p:ph type="title"/>
-          </p:nvPr>
-        </p:nvSpPr>
-        <p:spPr/>
-        <p:txBody>
-          <a:bodyPr/>
-          <a:lstStyle/>
-          <a:p>
-            <a:r>
-              <a:rPr lang="en-US" dirty="0"/>
-              <a:t>Data Cleanup &amp; Exploration</a:t>
-            </a:r>
-          </a:p>
-        </p:txBody>
-      </p:sp>
-      <p:sp>
-        <p:nvSpPr>
-          <p:cNvPr id="3" name="Content Placeholder 2">
-            <a:extLst>
-              <a:ext uri="{FF2B5EF4-FFF2-40B4-BE49-F238E27FC236}">
-                <a16:creationId xmlns:a16="http://schemas.microsoft.com/office/drawing/2014/main" id="{945F6BAE-C6BC-4B19-91EC-1E4C3312A191}"/>
-              </a:ext>
-            </a:extLst>
-          </p:cNvPr>
-          <p:cNvSpPr>
-            <a:spLocks noGrp="1"/>
-          </p:cNvSpPr>
-          <p:nvPr>
-            <p:ph idx="1"/>
           </p:nvPr>
         </p:nvSpPr>
         <p:spPr/>
@@ -5385,68 +5046,15 @@
           <a:p>
             <a:r>
               <a:rPr lang="en-US" dirty="0"/>
-              <a:t>Describe the exploration and cleanup process</a:t>
-            </a:r>
-          </a:p>
-          <a:p>
-            <a:pPr lvl="1"/>
-            <a:r>
-              <a:rPr lang="en-US" dirty="0"/>
-              <a:t>Read file into </a:t>
-            </a:r>
-            <a:r>
-              <a:rPr lang="en-US" dirty="0" err="1"/>
-              <a:t>dataframe</a:t>
-            </a:r>
-            <a:r>
-              <a:rPr lang="en-US" dirty="0"/>
-              <a:t>, observed N/A values</a:t>
-            </a:r>
-          </a:p>
-          <a:p>
-            <a:r>
-              <a:rPr lang="en-US" dirty="0"/>
-              <a:t>Discuss insights you had while exploring the data that you didn't anticipate</a:t>
-            </a:r>
-          </a:p>
-          <a:p>
-            <a:pPr lvl="1"/>
-            <a:r>
-              <a:rPr lang="en-US" dirty="0"/>
-              <a:t>The accuracy of race identification</a:t>
-            </a:r>
-          </a:p>
-          <a:p>
-            <a:r>
-              <a:rPr lang="en-US" dirty="0"/>
-              <a:t>Discuss any problems that arose after exploring the data, and how you resolved them</a:t>
-            </a:r>
-          </a:p>
-          <a:p>
-            <a:pPr lvl="1"/>
-            <a:r>
-              <a:rPr lang="en-US" dirty="0"/>
-              <a:t>To deal with N/A values, we reviewed data documentation</a:t>
-            </a:r>
-          </a:p>
-          <a:p>
-            <a:pPr lvl="1"/>
-            <a:r>
-              <a:rPr lang="en-US" dirty="0"/>
-              <a:t>Splitting date timestamps into bins was difficult; used </a:t>
-            </a:r>
-            <a:r>
-              <a:rPr lang="en-US" dirty="0" err="1"/>
-              <a:t>pd.Grouper</a:t>
-            </a:r>
-            <a:endParaRPr lang="en-US" dirty="0"/>
+              <a:t>Data Exploration - Overview</a:t>
+            </a:r>
           </a:p>
         </p:txBody>
       </p:sp>
     </p:spTree>
     <p:extLst>
       <p:ext uri="{BB962C8B-B14F-4D97-AF65-F5344CB8AC3E}">
-        <p14:creationId xmlns:p14="http://schemas.microsoft.com/office/powerpoint/2010/main" val="1730122896"/>
+        <p14:creationId xmlns:p14="http://schemas.microsoft.com/office/powerpoint/2010/main" val="3627660061"/>
       </p:ext>
     </p:extLst>
   </p:cSld>
@@ -5478,7 +5086,7 @@
           <p:cNvPr id="2" name="Title 1">
             <a:extLst>
               <a:ext uri="{FF2B5EF4-FFF2-40B4-BE49-F238E27FC236}">
-                <a16:creationId xmlns:a16="http://schemas.microsoft.com/office/drawing/2014/main" id="{EF47E3F4-672C-4C3E-8E86-422F82FAB3C6}"/>
+                <a16:creationId xmlns:a16="http://schemas.microsoft.com/office/drawing/2014/main" id="{C32C1771-AA35-3145-B81A-763C15DFD3E0}"/>
               </a:ext>
             </a:extLst>
           </p:cNvPr>
@@ -5491,28 +5099,12 @@
         </p:nvSpPr>
         <p:spPr/>
         <p:txBody>
-          <a:bodyPr>
-            <a:normAutofit fontScale="90000"/>
-          </a:bodyPr>
+          <a:bodyPr/>
           <a:lstStyle/>
           <a:p>
             <a:r>
               <a:rPr lang="en-US" dirty="0"/>
-              <a:t>Data </a:t>
-            </a:r>
-            <a:br>
-              <a:rPr lang="en-US" dirty="0"/>
-            </a:br>
-            <a:r>
-              <a:rPr lang="en-US" dirty="0"/>
-              <a:t>Exploration</a:t>
-            </a:r>
-            <a:br>
-              <a:rPr lang="en-US" dirty="0"/>
-            </a:br>
-            <a:r>
-              <a:rPr lang="en-US" dirty="0"/>
-              <a:t>Overview</a:t>
+              <a:t>Data Exploration - Overview</a:t>
             </a:r>
           </a:p>
         </p:txBody>
@@ -5520,7 +5112,7 @@
     </p:spTree>
     <p:extLst>
       <p:ext uri="{BB962C8B-B14F-4D97-AF65-F5344CB8AC3E}">
-        <p14:creationId xmlns:p14="http://schemas.microsoft.com/office/powerpoint/2010/main" val="3627660061"/>
+        <p14:creationId xmlns:p14="http://schemas.microsoft.com/office/powerpoint/2010/main" val="14059170"/>
       </p:ext>
     </p:extLst>
   </p:cSld>
@@ -5578,7 +5170,7 @@
     </p:spTree>
     <p:extLst>
       <p:ext uri="{BB962C8B-B14F-4D97-AF65-F5344CB8AC3E}">
-        <p14:creationId xmlns:p14="http://schemas.microsoft.com/office/powerpoint/2010/main" val="14059170"/>
+        <p14:creationId xmlns:p14="http://schemas.microsoft.com/office/powerpoint/2010/main" val="3885671570"/>
       </p:ext>
     </p:extLst>
   </p:cSld>
@@ -5621,14 +5213,66 @@
             <p:ph type="title"/>
           </p:nvPr>
         </p:nvSpPr>
-        <p:spPr/>
+        <p:spPr>
+          <a:xfrm>
+            <a:off x="838200" y="365125"/>
+            <a:ext cx="10515600" cy="1325563"/>
+          </a:xfrm>
+        </p:spPr>
         <p:txBody>
           <a:bodyPr/>
           <a:lstStyle/>
           <a:p>
             <a:r>
               <a:rPr lang="en-US" dirty="0"/>
-              <a:t>Data Exploration - Overview</a:t>
+              <a:t>Data Analysis</a:t>
+            </a:r>
+          </a:p>
+        </p:txBody>
+      </p:sp>
+      <p:sp>
+        <p:nvSpPr>
+          <p:cNvPr id="3" name="Content Placeholder 2">
+            <a:extLst>
+              <a:ext uri="{FF2B5EF4-FFF2-40B4-BE49-F238E27FC236}">
+                <a16:creationId xmlns:a16="http://schemas.microsoft.com/office/drawing/2014/main" id="{7987ED2E-D364-CE46-A633-80952C9E7E9C}"/>
+              </a:ext>
+            </a:extLst>
+          </p:cNvPr>
+          <p:cNvSpPr>
+            <a:spLocks noGrp="1"/>
+          </p:cNvSpPr>
+          <p:nvPr>
+            <p:ph idx="1"/>
+          </p:nvPr>
+        </p:nvSpPr>
+        <p:spPr/>
+        <p:txBody>
+          <a:bodyPr/>
+          <a:lstStyle/>
+          <a:p>
+            <a:r>
+              <a:rPr lang="en-US" dirty="0"/>
+              <a:t>Gather relevant data from ski resort website and location data from google API</a:t>
+            </a:r>
+          </a:p>
+          <a:p>
+            <a:r>
+              <a:rPr lang="en-US" dirty="0"/>
+              <a:t>Review plot visualizations for trends</a:t>
+            </a:r>
+          </a:p>
+          <a:p>
+            <a:pPr lvl="1"/>
+            <a:r>
+              <a:rPr lang="en-US" dirty="0"/>
+              <a:t>Generally, the higher the altitude the higher the lift ticket price</a:t>
+            </a:r>
+          </a:p>
+          <a:p>
+            <a:r>
+              <a:rPr lang="en-US" dirty="0"/>
+              <a:t>Draw conclusions if possible, and set limits for those conclusions</a:t>
             </a:r>
           </a:p>
         </p:txBody>
@@ -5636,7 +5280,7 @@
     </p:spTree>
     <p:extLst>
       <p:ext uri="{BB962C8B-B14F-4D97-AF65-F5344CB8AC3E}">
-        <p14:creationId xmlns:p14="http://schemas.microsoft.com/office/powerpoint/2010/main" val="3885671570"/>
+        <p14:creationId xmlns:p14="http://schemas.microsoft.com/office/powerpoint/2010/main" val="1363470243"/>
       </p:ext>
     </p:extLst>
   </p:cSld>
@@ -5668,7 +5312,7 @@
           <p:cNvPr id="2" name="Title 1">
             <a:extLst>
               <a:ext uri="{FF2B5EF4-FFF2-40B4-BE49-F238E27FC236}">
-                <a16:creationId xmlns:a16="http://schemas.microsoft.com/office/drawing/2014/main" id="{C32C1771-AA35-3145-B81A-763C15DFD3E0}"/>
+                <a16:creationId xmlns:a16="http://schemas.microsoft.com/office/drawing/2014/main" id="{3567B772-6944-9443-A262-6FC36ED6D494}"/>
               </a:ext>
             </a:extLst>
           </p:cNvPr>
@@ -5679,67 +5323,65 @@
             <p:ph type="title"/>
           </p:nvPr>
         </p:nvSpPr>
+        <p:spPr/>
+        <p:txBody>
+          <a:bodyPr>
+            <a:normAutofit fontScale="90000"/>
+          </a:bodyPr>
+          <a:lstStyle/>
+          <a:p>
+            <a:r>
+              <a:rPr lang="en-US" dirty="0"/>
+              <a:t>Data Analysis</a:t>
+            </a:r>
+            <a:br>
+              <a:rPr lang="en-US" dirty="0"/>
+            </a:br>
+            <a:r>
+              <a:rPr lang="en-US" sz="2700" dirty="0"/>
+              <a:t>Where are the resorts? </a:t>
+            </a:r>
+            <a:br>
+              <a:rPr lang="en-US" sz="2700" dirty="0"/>
+            </a:br>
+            <a:endParaRPr lang="en-US" sz="2700" dirty="0"/>
+          </a:p>
+        </p:txBody>
+      </p:sp>
+      <p:pic>
+        <p:nvPicPr>
+          <p:cNvPr id="4" name="Picture 3">
+            <a:extLst>
+              <a:ext uri="{FF2B5EF4-FFF2-40B4-BE49-F238E27FC236}">
+                <a16:creationId xmlns:a16="http://schemas.microsoft.com/office/drawing/2014/main" id="{F2302487-9667-8148-9072-0A0E684F4325}"/>
+              </a:ext>
+            </a:extLst>
+          </p:cNvPr>
+          <p:cNvPicPr>
+            <a:picLocks noChangeAspect="1"/>
+          </p:cNvPicPr>
+          <p:nvPr/>
+        </p:nvPicPr>
+        <p:blipFill>
+          <a:blip r:embed="rId3"/>
+          <a:stretch>
+            <a:fillRect/>
+          </a:stretch>
+        </p:blipFill>
         <p:spPr>
           <a:xfrm>
-            <a:off x="838200" y="365125"/>
-            <a:ext cx="10515600" cy="1325563"/>
+            <a:off x="2667000" y="1463944"/>
+            <a:ext cx="7397750" cy="4676506"/>
           </a:xfrm>
+          <a:prstGeom prst="rect">
+            <a:avLst/>
+          </a:prstGeom>
         </p:spPr>
-        <p:txBody>
-          <a:bodyPr/>
-          <a:lstStyle/>
-          <a:p>
-            <a:r>
-              <a:rPr lang="en-US" dirty="0"/>
-              <a:t>Data Analysis</a:t>
-            </a:r>
-          </a:p>
-        </p:txBody>
-      </p:sp>
-      <p:sp>
-        <p:nvSpPr>
-          <p:cNvPr id="3" name="Content Placeholder 2">
-            <a:extLst>
-              <a:ext uri="{FF2B5EF4-FFF2-40B4-BE49-F238E27FC236}">
-                <a16:creationId xmlns:a16="http://schemas.microsoft.com/office/drawing/2014/main" id="{7987ED2E-D364-CE46-A633-80952C9E7E9C}"/>
-              </a:ext>
-            </a:extLst>
-          </p:cNvPr>
-          <p:cNvSpPr>
-            <a:spLocks noGrp="1"/>
-          </p:cNvSpPr>
-          <p:nvPr>
-            <p:ph idx="1"/>
-          </p:nvPr>
-        </p:nvSpPr>
-        <p:spPr/>
-        <p:txBody>
-          <a:bodyPr/>
-          <a:lstStyle/>
-          <a:p>
-            <a:r>
-              <a:rPr lang="en-US" dirty="0"/>
-              <a:t>Gather relevant data from ski resort ratings website and google API</a:t>
-            </a:r>
-          </a:p>
-          <a:p>
-            <a:r>
-              <a:rPr lang="en-US" dirty="0"/>
-              <a:t>Review plot visualizations for trends</a:t>
-            </a:r>
-          </a:p>
-          <a:p>
-            <a:r>
-              <a:rPr lang="en-US" dirty="0"/>
-              <a:t>Draw conclusions if possible, and set limits/caveats for those conclusions based on logic and statistical correlation</a:t>
-            </a:r>
-          </a:p>
-        </p:txBody>
-      </p:sp>
+      </p:pic>
     </p:spTree>
     <p:extLst>
       <p:ext uri="{BB962C8B-B14F-4D97-AF65-F5344CB8AC3E}">
-        <p14:creationId xmlns:p14="http://schemas.microsoft.com/office/powerpoint/2010/main" val="1363470243"/>
+        <p14:creationId xmlns:p14="http://schemas.microsoft.com/office/powerpoint/2010/main" val="1938447768"/>
       </p:ext>
     </p:extLst>
   </p:cSld>
@@ -5797,8 +5439,8 @@
               <a:rPr lang="en-US" dirty="0"/>
             </a:br>
             <a:r>
-              <a:rPr lang="en-US" sz="2700" dirty="0"/>
-              <a:t>Where are the resorts? </a:t>
+              <a:rPr lang="en-US" sz="2800" dirty="0"/>
+              <a:t>Who has better pricing?</a:t>
             </a:r>
             <a:br>
               <a:rPr lang="en-US" sz="2700" dirty="0"/>
@@ -5807,10 +5449,40 @@
           </a:p>
         </p:txBody>
       </p:sp>
+      <p:pic>
+        <p:nvPicPr>
+          <p:cNvPr id="5" name="Picture 4">
+            <a:extLst>
+              <a:ext uri="{FF2B5EF4-FFF2-40B4-BE49-F238E27FC236}">
+                <a16:creationId xmlns:a16="http://schemas.microsoft.com/office/drawing/2014/main" id="{EB6F7A22-4402-2245-B362-70689B2FE4FE}"/>
+              </a:ext>
+            </a:extLst>
+          </p:cNvPr>
+          <p:cNvPicPr>
+            <a:picLocks noChangeAspect="1"/>
+          </p:cNvPicPr>
+          <p:nvPr/>
+        </p:nvPicPr>
+        <p:blipFill>
+          <a:blip r:embed="rId3"/>
+          <a:stretch>
+            <a:fillRect/>
+          </a:stretch>
+        </p:blipFill>
+        <p:spPr>
+          <a:xfrm>
+            <a:off x="5543550" y="813487"/>
+            <a:ext cx="5810250" cy="5679388"/>
+          </a:xfrm>
+          <a:prstGeom prst="rect">
+            <a:avLst/>
+          </a:prstGeom>
+        </p:spPr>
+      </p:pic>
     </p:spTree>
     <p:extLst>
       <p:ext uri="{BB962C8B-B14F-4D97-AF65-F5344CB8AC3E}">
-        <p14:creationId xmlns:p14="http://schemas.microsoft.com/office/powerpoint/2010/main" val="1938447768"/>
+        <p14:creationId xmlns:p14="http://schemas.microsoft.com/office/powerpoint/2010/main" val="614243488"/>
       </p:ext>
     </p:extLst>
   </p:cSld>

--- a/PPT/Group_Presentation.pptx
+++ b/PPT/Group_Presentation.pptx
@@ -5,21 +5,19 @@
     <p:sldMasterId id="2147483668" r:id="rId1"/>
   </p:sldMasterIdLst>
   <p:notesMasterIdLst>
-    <p:notesMasterId r:id="rId14"/>
+    <p:notesMasterId r:id="rId12"/>
   </p:notesMasterIdLst>
   <p:sldIdLst>
     <p:sldId id="256" r:id="rId2"/>
     <p:sldId id="257" r:id="rId3"/>
     <p:sldId id="271" r:id="rId4"/>
-    <p:sldId id="272" r:id="rId5"/>
-    <p:sldId id="269" r:id="rId6"/>
-    <p:sldId id="267" r:id="rId7"/>
-    <p:sldId id="268" r:id="rId8"/>
-    <p:sldId id="259" r:id="rId9"/>
-    <p:sldId id="264" r:id="rId10"/>
-    <p:sldId id="265" r:id="rId11"/>
-    <p:sldId id="262" r:id="rId12"/>
-    <p:sldId id="263" r:id="rId13"/>
+    <p:sldId id="269" r:id="rId5"/>
+    <p:sldId id="267" r:id="rId6"/>
+    <p:sldId id="268" r:id="rId7"/>
+    <p:sldId id="259" r:id="rId8"/>
+    <p:sldId id="264" r:id="rId9"/>
+    <p:sldId id="262" r:id="rId10"/>
+    <p:sldId id="263" r:id="rId11"/>
   </p:sldIdLst>
   <p:sldSz cx="12192000" cy="6858000"/>
   <p:notesSz cx="6858000" cy="9144000"/>
@@ -220,7 +218,7 @@
           <a:p>
             <a:fld id="{16B23004-DC73-824B-82D3-BE3292B16F00}" type="datetimeFigureOut">
               <a:rPr lang="en-US" smtClean="0"/>
-              <a:t>2/16/19</a:t>
+              <a:t>2/18/19</a:t>
             </a:fld>
             <a:endParaRPr lang="en-US"/>
           </a:p>
@@ -759,7 +757,7 @@
     </p:spTree>
     <p:extLst>
       <p:ext uri="{BB962C8B-B14F-4D97-AF65-F5344CB8AC3E}">
-        <p14:creationId xmlns:p14="http://schemas.microsoft.com/office/powerpoint/2010/main" val="1771792624"/>
+        <p14:creationId xmlns:p14="http://schemas.microsoft.com/office/powerpoint/2010/main" val="2950986358"/>
       </p:ext>
     </p:extLst>
   </p:cSld>
@@ -843,7 +841,7 @@
     </p:spTree>
     <p:extLst>
       <p:ext uri="{BB962C8B-B14F-4D97-AF65-F5344CB8AC3E}">
-        <p14:creationId xmlns:p14="http://schemas.microsoft.com/office/powerpoint/2010/main" val="2950986358"/>
+        <p14:creationId xmlns:p14="http://schemas.microsoft.com/office/powerpoint/2010/main" val="3544906111"/>
       </p:ext>
     </p:extLst>
   </p:cSld>
@@ -918,7 +916,7 @@
           <a:p>
             <a:fld id="{0FEE7830-29E6-5040-BC4F-D437EE0B6FD5}" type="slidenum">
               <a:rPr lang="en-US" smtClean="0"/>
-              <a:t>6</a:t>
+              <a:t>7</a:t>
             </a:fld>
             <a:endParaRPr lang="en-US"/>
           </a:p>
@@ -927,7 +925,7 @@
     </p:spTree>
     <p:extLst>
       <p:ext uri="{BB962C8B-B14F-4D97-AF65-F5344CB8AC3E}">
-        <p14:creationId xmlns:p14="http://schemas.microsoft.com/office/powerpoint/2010/main" val="3544906111"/>
+        <p14:creationId xmlns:p14="http://schemas.microsoft.com/office/powerpoint/2010/main" val="1357329539"/>
       </p:ext>
     </p:extLst>
   </p:cSld>
@@ -1011,175 +1009,7 @@
     </p:spTree>
     <p:extLst>
       <p:ext uri="{BB962C8B-B14F-4D97-AF65-F5344CB8AC3E}">
-        <p14:creationId xmlns:p14="http://schemas.microsoft.com/office/powerpoint/2010/main" val="1357329539"/>
-      </p:ext>
-    </p:extLst>
-  </p:cSld>
-  <p:clrMapOvr>
-    <a:masterClrMapping/>
-  </p:clrMapOvr>
-</p:notes>
-</file>
-
-<file path=ppt/notesSlides/notesSlide7.xml><?xml version="1.0" encoding="utf-8"?>
-<p:notes xmlns:a="http://schemas.openxmlformats.org/drawingml/2006/main" xmlns:r="http://schemas.openxmlformats.org/officeDocument/2006/relationships" xmlns:p="http://schemas.openxmlformats.org/presentationml/2006/main">
-  <p:cSld>
-    <p:spTree>
-      <p:nvGrpSpPr>
-        <p:cNvPr id="1" name=""/>
-        <p:cNvGrpSpPr/>
-        <p:nvPr/>
-      </p:nvGrpSpPr>
-      <p:grpSpPr>
-        <a:xfrm>
-          <a:off x="0" y="0"/>
-          <a:ext cx="0" cy="0"/>
-          <a:chOff x="0" y="0"/>
-          <a:chExt cx="0" cy="0"/>
-        </a:xfrm>
-      </p:grpSpPr>
-      <p:sp>
-        <p:nvSpPr>
-          <p:cNvPr id="2" name="Slide Image Placeholder 1"/>
-          <p:cNvSpPr>
-            <a:spLocks noGrp="1" noRot="1" noChangeAspect="1"/>
-          </p:cNvSpPr>
-          <p:nvPr>
-            <p:ph type="sldImg"/>
-          </p:nvPr>
-        </p:nvSpPr>
-        <p:spPr/>
-      </p:sp>
-      <p:sp>
-        <p:nvSpPr>
-          <p:cNvPr id="3" name="Notes Placeholder 2"/>
-          <p:cNvSpPr>
-            <a:spLocks noGrp="1"/>
-          </p:cNvSpPr>
-          <p:nvPr>
-            <p:ph type="body" idx="1"/>
-          </p:nvPr>
-        </p:nvSpPr>
-        <p:spPr/>
-        <p:txBody>
-          <a:bodyPr/>
-          <a:lstStyle/>
-          <a:p>
-            <a:endParaRPr lang="en-US" dirty="0"/>
-          </a:p>
-        </p:txBody>
-      </p:sp>
-      <p:sp>
-        <p:nvSpPr>
-          <p:cNvPr id="4" name="Slide Number Placeholder 3"/>
-          <p:cNvSpPr>
-            <a:spLocks noGrp="1"/>
-          </p:cNvSpPr>
-          <p:nvPr>
-            <p:ph type="sldNum" sz="quarter" idx="5"/>
-          </p:nvPr>
-        </p:nvSpPr>
-        <p:spPr/>
-        <p:txBody>
-          <a:bodyPr/>
-          <a:lstStyle/>
-          <a:p>
-            <a:fld id="{0FEE7830-29E6-5040-BC4F-D437EE0B6FD5}" type="slidenum">
-              <a:rPr lang="en-US" smtClean="0"/>
-              <a:t>9</a:t>
-            </a:fld>
-            <a:endParaRPr lang="en-US"/>
-          </a:p>
-        </p:txBody>
-      </p:sp>
-    </p:spTree>
-    <p:extLst>
-      <p:ext uri="{BB962C8B-B14F-4D97-AF65-F5344CB8AC3E}">
         <p14:creationId xmlns:p14="http://schemas.microsoft.com/office/powerpoint/2010/main" val="3940827689"/>
-      </p:ext>
-    </p:extLst>
-  </p:cSld>
-  <p:clrMapOvr>
-    <a:masterClrMapping/>
-  </p:clrMapOvr>
-</p:notes>
-</file>
-
-<file path=ppt/notesSlides/notesSlide8.xml><?xml version="1.0" encoding="utf-8"?>
-<p:notes xmlns:a="http://schemas.openxmlformats.org/drawingml/2006/main" xmlns:r="http://schemas.openxmlformats.org/officeDocument/2006/relationships" xmlns:p="http://schemas.openxmlformats.org/presentationml/2006/main">
-  <p:cSld>
-    <p:spTree>
-      <p:nvGrpSpPr>
-        <p:cNvPr id="1" name=""/>
-        <p:cNvGrpSpPr/>
-        <p:nvPr/>
-      </p:nvGrpSpPr>
-      <p:grpSpPr>
-        <a:xfrm>
-          <a:off x="0" y="0"/>
-          <a:ext cx="0" cy="0"/>
-          <a:chOff x="0" y="0"/>
-          <a:chExt cx="0" cy="0"/>
-        </a:xfrm>
-      </p:grpSpPr>
-      <p:sp>
-        <p:nvSpPr>
-          <p:cNvPr id="2" name="Slide Image Placeholder 1"/>
-          <p:cNvSpPr>
-            <a:spLocks noGrp="1" noRot="1" noChangeAspect="1"/>
-          </p:cNvSpPr>
-          <p:nvPr>
-            <p:ph type="sldImg"/>
-          </p:nvPr>
-        </p:nvSpPr>
-        <p:spPr/>
-      </p:sp>
-      <p:sp>
-        <p:nvSpPr>
-          <p:cNvPr id="3" name="Notes Placeholder 2"/>
-          <p:cNvSpPr>
-            <a:spLocks noGrp="1"/>
-          </p:cNvSpPr>
-          <p:nvPr>
-            <p:ph type="body" idx="1"/>
-          </p:nvPr>
-        </p:nvSpPr>
-        <p:spPr/>
-        <p:txBody>
-          <a:bodyPr/>
-          <a:lstStyle/>
-          <a:p>
-            <a:endParaRPr lang="en-US" dirty="0"/>
-          </a:p>
-        </p:txBody>
-      </p:sp>
-      <p:sp>
-        <p:nvSpPr>
-          <p:cNvPr id="4" name="Slide Number Placeholder 3"/>
-          <p:cNvSpPr>
-            <a:spLocks noGrp="1"/>
-          </p:cNvSpPr>
-          <p:nvPr>
-            <p:ph type="sldNum" sz="quarter" idx="5"/>
-          </p:nvPr>
-        </p:nvSpPr>
-        <p:spPr/>
-        <p:txBody>
-          <a:bodyPr/>
-          <a:lstStyle/>
-          <a:p>
-            <a:fld id="{0FEE7830-29E6-5040-BC4F-D437EE0B6FD5}" type="slidenum">
-              <a:rPr lang="en-US" smtClean="0"/>
-              <a:t>10</a:t>
-            </a:fld>
-            <a:endParaRPr lang="en-US"/>
-          </a:p>
-        </p:txBody>
-      </p:sp>
-    </p:spTree>
-    <p:extLst>
-      <p:ext uri="{BB962C8B-B14F-4D97-AF65-F5344CB8AC3E}">
-        <p14:creationId xmlns:p14="http://schemas.microsoft.com/office/powerpoint/2010/main" val="1398647066"/>
       </p:ext>
     </p:extLst>
   </p:cSld>
@@ -1337,7 +1167,7 @@
             <a:fld id="{B61BEF0D-F0BB-DE4B-95CE-6DB70DBA9567}" type="datetimeFigureOut">
               <a:rPr lang="en-US" smtClean="0"/>
               <a:pPr/>
-              <a:t>2/16/19</a:t>
+              <a:t>2/18/19</a:t>
             </a:fld>
             <a:endParaRPr lang="en-US" dirty="0"/>
           </a:p>
@@ -1537,7 +1367,7 @@
             <a:fld id="{B61BEF0D-F0BB-DE4B-95CE-6DB70DBA9567}" type="datetimeFigureOut">
               <a:rPr lang="en-US" smtClean="0"/>
               <a:pPr/>
-              <a:t>2/16/19</a:t>
+              <a:t>2/18/19</a:t>
             </a:fld>
             <a:endParaRPr lang="en-US" dirty="0"/>
           </a:p>
@@ -1747,7 +1577,7 @@
             <a:fld id="{B61BEF0D-F0BB-DE4B-95CE-6DB70DBA9567}" type="datetimeFigureOut">
               <a:rPr lang="en-US" smtClean="0"/>
               <a:pPr/>
-              <a:t>2/16/19</a:t>
+              <a:t>2/18/19</a:t>
             </a:fld>
             <a:endParaRPr lang="en-US" dirty="0"/>
           </a:p>
@@ -1947,7 +1777,7 @@
             <a:fld id="{B61BEF0D-F0BB-DE4B-95CE-6DB70DBA9567}" type="datetimeFigureOut">
               <a:rPr lang="en-US" smtClean="0"/>
               <a:pPr/>
-              <a:t>2/16/19</a:t>
+              <a:t>2/18/19</a:t>
             </a:fld>
             <a:endParaRPr lang="en-US" dirty="0"/>
           </a:p>
@@ -2224,7 +2054,7 @@
             <a:fld id="{B61BEF0D-F0BB-DE4B-95CE-6DB70DBA9567}" type="datetimeFigureOut">
               <a:rPr lang="en-US" smtClean="0"/>
               <a:pPr/>
-              <a:t>2/16/19</a:t>
+              <a:t>2/18/19</a:t>
             </a:fld>
             <a:endParaRPr lang="en-US" dirty="0"/>
           </a:p>
@@ -2491,7 +2321,7 @@
             <a:fld id="{B61BEF0D-F0BB-DE4B-95CE-6DB70DBA9567}" type="datetimeFigureOut">
               <a:rPr lang="en-US" smtClean="0"/>
               <a:pPr/>
-              <a:t>2/16/19</a:t>
+              <a:t>2/18/19</a:t>
             </a:fld>
             <a:endParaRPr lang="en-US" dirty="0"/>
           </a:p>
@@ -2905,7 +2735,7 @@
             <a:fld id="{B61BEF0D-F0BB-DE4B-95CE-6DB70DBA9567}" type="datetimeFigureOut">
               <a:rPr lang="en-US" smtClean="0"/>
               <a:pPr/>
-              <a:t>2/16/19</a:t>
+              <a:t>2/18/19</a:t>
             </a:fld>
             <a:endParaRPr lang="en-US" dirty="0"/>
           </a:p>
@@ -3048,7 +2878,7 @@
             <a:fld id="{B61BEF0D-F0BB-DE4B-95CE-6DB70DBA9567}" type="datetimeFigureOut">
               <a:rPr lang="en-US" smtClean="0"/>
               <a:pPr/>
-              <a:t>2/16/19</a:t>
+              <a:t>2/18/19</a:t>
             </a:fld>
             <a:endParaRPr lang="en-US" dirty="0"/>
           </a:p>
@@ -3163,7 +2993,7 @@
             <a:fld id="{B61BEF0D-F0BB-DE4B-95CE-6DB70DBA9567}" type="datetimeFigureOut">
               <a:rPr lang="en-US" smtClean="0"/>
               <a:pPr/>
-              <a:t>2/16/19</a:t>
+              <a:t>2/18/19</a:t>
             </a:fld>
             <a:endParaRPr lang="en-US" dirty="0"/>
           </a:p>
@@ -3476,7 +3306,7 @@
             <a:fld id="{B61BEF0D-F0BB-DE4B-95CE-6DB70DBA9567}" type="datetimeFigureOut">
               <a:rPr lang="en-US" smtClean="0"/>
               <a:pPr/>
-              <a:t>2/16/19</a:t>
+              <a:t>2/18/19</a:t>
             </a:fld>
             <a:endParaRPr lang="en-US" dirty="0"/>
           </a:p>
@@ -3766,7 +3596,7 @@
             <a:fld id="{B61BEF0D-F0BB-DE4B-95CE-6DB70DBA9567}" type="datetimeFigureOut">
               <a:rPr lang="en-US" smtClean="0"/>
               <a:pPr/>
-              <a:t>2/16/19</a:t>
+              <a:t>2/18/19</a:t>
             </a:fld>
             <a:endParaRPr lang="en-US" dirty="0"/>
           </a:p>
@@ -4009,7 +3839,7 @@
             <a:fld id="{B61BEF0D-F0BB-DE4B-95CE-6DB70DBA9567}" type="datetimeFigureOut">
               <a:rPr lang="en-US" smtClean="0"/>
               <a:pPr/>
-              <a:t>2/16/19</a:t>
+              <a:t>2/18/19</a:t>
             </a:fld>
             <a:endParaRPr lang="en-US" dirty="0"/>
           </a:p>
@@ -4526,185 +4356,6 @@
           <p:cNvPr id="2" name="Title 1">
             <a:extLst>
               <a:ext uri="{FF2B5EF4-FFF2-40B4-BE49-F238E27FC236}">
-                <a16:creationId xmlns:a16="http://schemas.microsoft.com/office/drawing/2014/main" id="{3567B772-6944-9443-A262-6FC36ED6D494}"/>
-              </a:ext>
-            </a:extLst>
-          </p:cNvPr>
-          <p:cNvSpPr>
-            <a:spLocks noGrp="1"/>
-          </p:cNvSpPr>
-          <p:nvPr>
-            <p:ph type="title"/>
-          </p:nvPr>
-        </p:nvSpPr>
-        <p:spPr/>
-        <p:txBody>
-          <a:bodyPr>
-            <a:normAutofit fontScale="90000"/>
-          </a:bodyPr>
-          <a:lstStyle/>
-          <a:p>
-            <a:r>
-              <a:rPr lang="en-US" dirty="0"/>
-              <a:t>Data Analysis</a:t>
-            </a:r>
-            <a:br>
-              <a:rPr lang="en-US" dirty="0"/>
-            </a:br>
-            <a:r>
-              <a:rPr lang="en-US" sz="2800" dirty="0"/>
-              <a:t>What is the likelihood that amount of ski-able terrain results in higher lift ticket prices?</a:t>
-            </a:r>
-            <a:br>
-              <a:rPr lang="en-US" sz="2800" dirty="0"/>
-            </a:br>
-            <a:endParaRPr lang="en-US" sz="2700" dirty="0"/>
-          </a:p>
-        </p:txBody>
-      </p:sp>
-    </p:spTree>
-    <p:extLst>
-      <p:ext uri="{BB962C8B-B14F-4D97-AF65-F5344CB8AC3E}">
-        <p14:creationId xmlns:p14="http://schemas.microsoft.com/office/powerpoint/2010/main" val="476785398"/>
-      </p:ext>
-    </p:extLst>
-  </p:cSld>
-  <p:clrMapOvr>
-    <a:masterClrMapping/>
-  </p:clrMapOvr>
-</p:sld>
-</file>
-
-<file path=ppt/slides/slide11.xml><?xml version="1.0" encoding="utf-8"?>
-<p:sld xmlns:a="http://schemas.openxmlformats.org/drawingml/2006/main" xmlns:r="http://schemas.openxmlformats.org/officeDocument/2006/relationships" xmlns:p="http://schemas.openxmlformats.org/presentationml/2006/main">
-  <p:cSld>
-    <p:spTree>
-      <p:nvGrpSpPr>
-        <p:cNvPr id="1" name=""/>
-        <p:cNvGrpSpPr/>
-        <p:nvPr/>
-      </p:nvGrpSpPr>
-      <p:grpSpPr>
-        <a:xfrm>
-          <a:off x="0" y="0"/>
-          <a:ext cx="0" cy="0"/>
-          <a:chOff x="0" y="0"/>
-          <a:chExt cx="0" cy="0"/>
-        </a:xfrm>
-      </p:grpSpPr>
-      <p:sp>
-        <p:nvSpPr>
-          <p:cNvPr id="2" name="Title 1">
-            <a:extLst>
-              <a:ext uri="{FF2B5EF4-FFF2-40B4-BE49-F238E27FC236}">
-                <a16:creationId xmlns:a16="http://schemas.microsoft.com/office/drawing/2014/main" id="{2988C076-FC55-F34A-813F-CF4ED7A3F89E}"/>
-              </a:ext>
-            </a:extLst>
-          </p:cNvPr>
-          <p:cNvSpPr>
-            <a:spLocks noGrp="1"/>
-          </p:cNvSpPr>
-          <p:nvPr>
-            <p:ph type="title"/>
-          </p:nvPr>
-        </p:nvSpPr>
-        <p:spPr/>
-        <p:txBody>
-          <a:bodyPr/>
-          <a:lstStyle/>
-          <a:p>
-            <a:r>
-              <a:rPr lang="en-US" dirty="0"/>
-              <a:t>Post Mortem</a:t>
-            </a:r>
-          </a:p>
-        </p:txBody>
-      </p:sp>
-      <p:sp>
-        <p:nvSpPr>
-          <p:cNvPr id="3" name="Content Placeholder 2">
-            <a:extLst>
-              <a:ext uri="{FF2B5EF4-FFF2-40B4-BE49-F238E27FC236}">
-                <a16:creationId xmlns:a16="http://schemas.microsoft.com/office/drawing/2014/main" id="{AA3A6A96-5BBB-D244-A28F-5D000F2DAA3D}"/>
-              </a:ext>
-            </a:extLst>
-          </p:cNvPr>
-          <p:cNvSpPr>
-            <a:spLocks noGrp="1"/>
-          </p:cNvSpPr>
-          <p:nvPr>
-            <p:ph idx="1"/>
-          </p:nvPr>
-        </p:nvSpPr>
-        <p:spPr/>
-        <p:txBody>
-          <a:bodyPr>
-            <a:normAutofit/>
-          </a:bodyPr>
-          <a:lstStyle/>
-          <a:p>
-            <a:r>
-              <a:rPr lang="en-US" dirty="0"/>
-              <a:t>Data Limitations</a:t>
-            </a:r>
-          </a:p>
-          <a:p>
-            <a:pPr lvl="1"/>
-            <a:r>
-              <a:rPr lang="en-US" dirty="0"/>
-              <a:t>Many of the attributes in the original data set were missing</a:t>
-            </a:r>
-          </a:p>
-          <a:p>
-            <a:r>
-              <a:rPr lang="en-US" dirty="0"/>
-              <a:t>Additional Data/Questions</a:t>
-            </a:r>
-          </a:p>
-          <a:p>
-            <a:pPr lvl="1"/>
-            <a:r>
-              <a:rPr lang="en-US" dirty="0"/>
-              <a:t>Future work</a:t>
-            </a:r>
-          </a:p>
-        </p:txBody>
-      </p:sp>
-    </p:spTree>
-    <p:extLst>
-      <p:ext uri="{BB962C8B-B14F-4D97-AF65-F5344CB8AC3E}">
-        <p14:creationId xmlns:p14="http://schemas.microsoft.com/office/powerpoint/2010/main" val="3599976240"/>
-      </p:ext>
-    </p:extLst>
-  </p:cSld>
-  <p:clrMapOvr>
-    <a:masterClrMapping/>
-  </p:clrMapOvr>
-</p:sld>
-</file>
-
-<file path=ppt/slides/slide12.xml><?xml version="1.0" encoding="utf-8"?>
-<p:sld xmlns:a="http://schemas.openxmlformats.org/drawingml/2006/main" xmlns:r="http://schemas.openxmlformats.org/officeDocument/2006/relationships" xmlns:p="http://schemas.openxmlformats.org/presentationml/2006/main">
-  <p:cSld>
-    <p:spTree>
-      <p:nvGrpSpPr>
-        <p:cNvPr id="1" name=""/>
-        <p:cNvGrpSpPr/>
-        <p:nvPr/>
-      </p:nvGrpSpPr>
-      <p:grpSpPr>
-        <a:xfrm>
-          <a:off x="0" y="0"/>
-          <a:ext cx="0" cy="0"/>
-          <a:chOff x="0" y="0"/>
-          <a:chExt cx="0" cy="0"/>
-        </a:xfrm>
-      </p:grpSpPr>
-      <p:sp>
-        <p:nvSpPr>
-          <p:cNvPr id="2" name="Title 1">
-            <a:extLst>
-              <a:ext uri="{FF2B5EF4-FFF2-40B4-BE49-F238E27FC236}">
                 <a16:creationId xmlns:a16="http://schemas.microsoft.com/office/drawing/2014/main" id="{4BBD5750-9EB0-4848-948E-B082E12EC135}"/>
               </a:ext>
             </a:extLst>
@@ -4973,7 +4624,7 @@
             <a:pPr lvl="1"/>
             <a:r>
               <a:rPr lang="en-US" dirty="0"/>
-              <a:t>While there are 2/3 more resorts in USA versus Canada, Canada’s resorts are more densely populated (e.g. # of resorts per province generally greater than # of resorts per state with the exception of Colorado)</a:t>
+              <a:t>While there are 2/3 more resorts in USA versus Canada, the  # of resorts per province are  generally greater than # of resorts per state with the exception of Colorado)</a:t>
             </a:r>
           </a:p>
           <a:p>
@@ -4986,7 +4637,7 @@
             <a:pPr lvl="1"/>
             <a:r>
               <a:rPr lang="en-US" dirty="0"/>
-              <a:t>TBD</a:t>
+              <a:t>Some data was misclassified (e.g. Greenland)</a:t>
             </a:r>
           </a:p>
         </p:txBody>
@@ -5026,7 +4677,7 @@
           <p:cNvPr id="2" name="Title 1">
             <a:extLst>
               <a:ext uri="{FF2B5EF4-FFF2-40B4-BE49-F238E27FC236}">
-                <a16:creationId xmlns:a16="http://schemas.microsoft.com/office/drawing/2014/main" id="{EF47E3F4-672C-4C3E-8E86-422F82FAB3C6}"/>
+                <a16:creationId xmlns:a16="http://schemas.microsoft.com/office/drawing/2014/main" id="{C32C1771-AA35-3145-B81A-763C15DFD3E0}"/>
               </a:ext>
             </a:extLst>
           </p:cNvPr>
@@ -5039,9 +4690,7 @@
         </p:nvSpPr>
         <p:spPr/>
         <p:txBody>
-          <a:bodyPr>
-            <a:normAutofit/>
-          </a:bodyPr>
+          <a:bodyPr/>
           <a:lstStyle/>
           <a:p>
             <a:r>
@@ -5051,10 +4700,40 @@
           </a:p>
         </p:txBody>
       </p:sp>
+      <p:pic>
+        <p:nvPicPr>
+          <p:cNvPr id="4" name="Picture 3">
+            <a:extLst>
+              <a:ext uri="{FF2B5EF4-FFF2-40B4-BE49-F238E27FC236}">
+                <a16:creationId xmlns:a16="http://schemas.microsoft.com/office/drawing/2014/main" id="{D0BD2DAF-F5AF-1745-8782-33F13E5E83D1}"/>
+              </a:ext>
+            </a:extLst>
+          </p:cNvPr>
+          <p:cNvPicPr>
+            <a:picLocks noChangeAspect="1"/>
+          </p:cNvPicPr>
+          <p:nvPr/>
+        </p:nvPicPr>
+        <p:blipFill>
+          <a:blip r:embed="rId3"/>
+          <a:stretch>
+            <a:fillRect/>
+          </a:stretch>
+        </p:blipFill>
+        <p:spPr>
+          <a:xfrm>
+            <a:off x="3873500" y="2000250"/>
+            <a:ext cx="4445000" cy="2857500"/>
+          </a:xfrm>
+          <a:prstGeom prst="rect">
+            <a:avLst/>
+          </a:prstGeom>
+        </p:spPr>
+      </p:pic>
     </p:spTree>
     <p:extLst>
       <p:ext uri="{BB962C8B-B14F-4D97-AF65-F5344CB8AC3E}">
-        <p14:creationId xmlns:p14="http://schemas.microsoft.com/office/powerpoint/2010/main" val="3627660061"/>
+        <p14:creationId xmlns:p14="http://schemas.microsoft.com/office/powerpoint/2010/main" val="14059170"/>
       </p:ext>
     </p:extLst>
   </p:cSld>
@@ -5109,10 +4788,40 @@
           </a:p>
         </p:txBody>
       </p:sp>
+      <p:pic>
+        <p:nvPicPr>
+          <p:cNvPr id="4" name="Picture 3">
+            <a:extLst>
+              <a:ext uri="{FF2B5EF4-FFF2-40B4-BE49-F238E27FC236}">
+                <a16:creationId xmlns:a16="http://schemas.microsoft.com/office/drawing/2014/main" id="{6D7D25D7-057E-1347-8F9C-C095AA322140}"/>
+              </a:ext>
+            </a:extLst>
+          </p:cNvPr>
+          <p:cNvPicPr>
+            <a:picLocks noChangeAspect="1"/>
+          </p:cNvPicPr>
+          <p:nvPr/>
+        </p:nvPicPr>
+        <p:blipFill>
+          <a:blip r:embed="rId3"/>
+          <a:stretch>
+            <a:fillRect/>
+          </a:stretch>
+        </p:blipFill>
+        <p:spPr>
+          <a:xfrm>
+            <a:off x="3873500" y="2000250"/>
+            <a:ext cx="4445000" cy="2857500"/>
+          </a:xfrm>
+          <a:prstGeom prst="rect">
+            <a:avLst/>
+          </a:prstGeom>
+        </p:spPr>
+      </p:pic>
     </p:spTree>
     <p:extLst>
       <p:ext uri="{BB962C8B-B14F-4D97-AF65-F5344CB8AC3E}">
-        <p14:creationId xmlns:p14="http://schemas.microsoft.com/office/powerpoint/2010/main" val="14059170"/>
+        <p14:creationId xmlns:p14="http://schemas.microsoft.com/office/powerpoint/2010/main" val="3885671570"/>
       </p:ext>
     </p:extLst>
   </p:cSld>
@@ -5155,64 +4864,6 @@
             <p:ph type="title"/>
           </p:nvPr>
         </p:nvSpPr>
-        <p:spPr/>
-        <p:txBody>
-          <a:bodyPr/>
-          <a:lstStyle/>
-          <a:p>
-            <a:r>
-              <a:rPr lang="en-US" dirty="0"/>
-              <a:t>Data Exploration - Overview</a:t>
-            </a:r>
-          </a:p>
-        </p:txBody>
-      </p:sp>
-    </p:spTree>
-    <p:extLst>
-      <p:ext uri="{BB962C8B-B14F-4D97-AF65-F5344CB8AC3E}">
-        <p14:creationId xmlns:p14="http://schemas.microsoft.com/office/powerpoint/2010/main" val="3885671570"/>
-      </p:ext>
-    </p:extLst>
-  </p:cSld>
-  <p:clrMapOvr>
-    <a:masterClrMapping/>
-  </p:clrMapOvr>
-</p:sld>
-</file>
-
-<file path=ppt/slides/slide7.xml><?xml version="1.0" encoding="utf-8"?>
-<p:sld xmlns:a="http://schemas.openxmlformats.org/drawingml/2006/main" xmlns:r="http://schemas.openxmlformats.org/officeDocument/2006/relationships" xmlns:p="http://schemas.openxmlformats.org/presentationml/2006/main">
-  <p:cSld>
-    <p:spTree>
-      <p:nvGrpSpPr>
-        <p:cNvPr id="1" name=""/>
-        <p:cNvGrpSpPr/>
-        <p:nvPr/>
-      </p:nvGrpSpPr>
-      <p:grpSpPr>
-        <a:xfrm>
-          <a:off x="0" y="0"/>
-          <a:ext cx="0" cy="0"/>
-          <a:chOff x="0" y="0"/>
-          <a:chExt cx="0" cy="0"/>
-        </a:xfrm>
-      </p:grpSpPr>
-      <p:sp>
-        <p:nvSpPr>
-          <p:cNvPr id="2" name="Title 1">
-            <a:extLst>
-              <a:ext uri="{FF2B5EF4-FFF2-40B4-BE49-F238E27FC236}">
-                <a16:creationId xmlns:a16="http://schemas.microsoft.com/office/drawing/2014/main" id="{C32C1771-AA35-3145-B81A-763C15DFD3E0}"/>
-              </a:ext>
-            </a:extLst>
-          </p:cNvPr>
-          <p:cNvSpPr>
-            <a:spLocks noGrp="1"/>
-          </p:cNvSpPr>
-          <p:nvPr>
-            <p:ph type="title"/>
-          </p:nvPr>
-        </p:nvSpPr>
         <p:spPr>
           <a:xfrm>
             <a:off x="838200" y="365125"/>
@@ -5290,7 +4941,7 @@
 </p:sld>
 </file>
 
-<file path=ppt/slides/slide8.xml><?xml version="1.0" encoding="utf-8"?>
+<file path=ppt/slides/slide7.xml><?xml version="1.0" encoding="utf-8"?>
 <p:sld xmlns:a="http://schemas.openxmlformats.org/drawingml/2006/main" xmlns:r="http://schemas.openxmlformats.org/officeDocument/2006/relationships" xmlns:p="http://schemas.openxmlformats.org/presentationml/2006/main">
   <p:cSld>
     <p:spTree>
@@ -5391,7 +5042,7 @@
 </p:sld>
 </file>
 
-<file path=ppt/slides/slide9.xml><?xml version="1.0" encoding="utf-8"?>
+<file path=ppt/slides/slide8.xml><?xml version="1.0" encoding="utf-8"?>
 <p:sld xmlns:a="http://schemas.openxmlformats.org/drawingml/2006/main" xmlns:r="http://schemas.openxmlformats.org/officeDocument/2006/relationships" xmlns:p="http://schemas.openxmlformats.org/presentationml/2006/main">
   <p:cSld>
     <p:spTree>
@@ -5483,6 +5134,122 @@
     <p:extLst>
       <p:ext uri="{BB962C8B-B14F-4D97-AF65-F5344CB8AC3E}">
         <p14:creationId xmlns:p14="http://schemas.microsoft.com/office/powerpoint/2010/main" val="614243488"/>
+      </p:ext>
+    </p:extLst>
+  </p:cSld>
+  <p:clrMapOvr>
+    <a:masterClrMapping/>
+  </p:clrMapOvr>
+</p:sld>
+</file>
+
+<file path=ppt/slides/slide9.xml><?xml version="1.0" encoding="utf-8"?>
+<p:sld xmlns:a="http://schemas.openxmlformats.org/drawingml/2006/main" xmlns:r="http://schemas.openxmlformats.org/officeDocument/2006/relationships" xmlns:p="http://schemas.openxmlformats.org/presentationml/2006/main">
+  <p:cSld>
+    <p:spTree>
+      <p:nvGrpSpPr>
+        <p:cNvPr id="1" name=""/>
+        <p:cNvGrpSpPr/>
+        <p:nvPr/>
+      </p:nvGrpSpPr>
+      <p:grpSpPr>
+        <a:xfrm>
+          <a:off x="0" y="0"/>
+          <a:ext cx="0" cy="0"/>
+          <a:chOff x="0" y="0"/>
+          <a:chExt cx="0" cy="0"/>
+        </a:xfrm>
+      </p:grpSpPr>
+      <p:sp>
+        <p:nvSpPr>
+          <p:cNvPr id="2" name="Title 1">
+            <a:extLst>
+              <a:ext uri="{FF2B5EF4-FFF2-40B4-BE49-F238E27FC236}">
+                <a16:creationId xmlns:a16="http://schemas.microsoft.com/office/drawing/2014/main" id="{2988C076-FC55-F34A-813F-CF4ED7A3F89E}"/>
+              </a:ext>
+            </a:extLst>
+          </p:cNvPr>
+          <p:cNvSpPr>
+            <a:spLocks noGrp="1"/>
+          </p:cNvSpPr>
+          <p:nvPr>
+            <p:ph type="title"/>
+          </p:nvPr>
+        </p:nvSpPr>
+        <p:spPr/>
+        <p:txBody>
+          <a:bodyPr/>
+          <a:lstStyle/>
+          <a:p>
+            <a:r>
+              <a:rPr lang="en-US" dirty="0"/>
+              <a:t>Post Mortem</a:t>
+            </a:r>
+          </a:p>
+        </p:txBody>
+      </p:sp>
+      <p:sp>
+        <p:nvSpPr>
+          <p:cNvPr id="3" name="Content Placeholder 2">
+            <a:extLst>
+              <a:ext uri="{FF2B5EF4-FFF2-40B4-BE49-F238E27FC236}">
+                <a16:creationId xmlns:a16="http://schemas.microsoft.com/office/drawing/2014/main" id="{AA3A6A96-5BBB-D244-A28F-5D000F2DAA3D}"/>
+              </a:ext>
+            </a:extLst>
+          </p:cNvPr>
+          <p:cNvSpPr>
+            <a:spLocks noGrp="1"/>
+          </p:cNvSpPr>
+          <p:nvPr>
+            <p:ph idx="1"/>
+          </p:nvPr>
+        </p:nvSpPr>
+        <p:spPr/>
+        <p:txBody>
+          <a:bodyPr>
+            <a:normAutofit/>
+          </a:bodyPr>
+          <a:lstStyle/>
+          <a:p>
+            <a:r>
+              <a:rPr lang="en-US" dirty="0"/>
+              <a:t>Data Limitations</a:t>
+            </a:r>
+          </a:p>
+          <a:p>
+            <a:pPr lvl="1"/>
+            <a:r>
+              <a:rPr lang="en-US" dirty="0"/>
+              <a:t>Many of the attributes in the original data set were missing</a:t>
+            </a:r>
+          </a:p>
+          <a:p>
+            <a:r>
+              <a:rPr lang="en-US" dirty="0"/>
+              <a:t>Additional Data/Questions</a:t>
+            </a:r>
+          </a:p>
+          <a:p>
+            <a:pPr lvl="1"/>
+            <a:r>
+              <a:rPr lang="en-US" dirty="0"/>
+              <a:t>Future work – Look at top 10 in skiable distance vs bottom 10 in skiable distance – does it impact slope </a:t>
+            </a:r>
+            <a:r>
+              <a:rPr lang="en-US"/>
+              <a:t>offering variety?</a:t>
+            </a:r>
+          </a:p>
+          <a:p>
+            <a:pPr lvl="1"/>
+            <a:endParaRPr lang="en-US" dirty="0"/>
+          </a:p>
+        </p:txBody>
+      </p:sp>
+    </p:spTree>
+    <p:extLst>
+      <p:ext uri="{BB962C8B-B14F-4D97-AF65-F5344CB8AC3E}">
+        <p14:creationId xmlns:p14="http://schemas.microsoft.com/office/powerpoint/2010/main" val="3599976240"/>
       </p:ext>
     </p:extLst>
   </p:cSld>

--- a/PPT/Group_Presentation.pptx
+++ b/PPT/Group_Presentation.pptx
@@ -5,19 +5,20 @@
     <p:sldMasterId id="2147483668" r:id="rId1"/>
   </p:sldMasterIdLst>
   <p:notesMasterIdLst>
-    <p:notesMasterId r:id="rId12"/>
+    <p:notesMasterId r:id="rId13"/>
   </p:notesMasterIdLst>
   <p:sldIdLst>
     <p:sldId id="256" r:id="rId2"/>
     <p:sldId id="257" r:id="rId3"/>
     <p:sldId id="271" r:id="rId4"/>
-    <p:sldId id="269" r:id="rId5"/>
-    <p:sldId id="267" r:id="rId6"/>
-    <p:sldId id="268" r:id="rId7"/>
-    <p:sldId id="259" r:id="rId8"/>
-    <p:sldId id="264" r:id="rId9"/>
-    <p:sldId id="262" r:id="rId10"/>
-    <p:sldId id="263" r:id="rId11"/>
+    <p:sldId id="263" r:id="rId5"/>
+    <p:sldId id="269" r:id="rId6"/>
+    <p:sldId id="267" r:id="rId7"/>
+    <p:sldId id="268" r:id="rId8"/>
+    <p:sldId id="259" r:id="rId9"/>
+    <p:sldId id="264" r:id="rId10"/>
+    <p:sldId id="272" r:id="rId11"/>
+    <p:sldId id="262" r:id="rId12"/>
   </p:sldIdLst>
   <p:sldSz cx="12192000" cy="6858000"/>
   <p:notesSz cx="6858000" cy="9144000"/>
@@ -218,7 +219,7 @@
           <a:p>
             <a:fld id="{16B23004-DC73-824B-82D3-BE3292B16F00}" type="datetimeFigureOut">
               <a:rPr lang="en-US" smtClean="0"/>
-              <a:t>2/18/19</a:t>
+              <a:t>2/20/19</a:t>
             </a:fld>
             <a:endParaRPr lang="en-US"/>
           </a:p>
@@ -748,7 +749,7 @@
           <a:p>
             <a:fld id="{0FEE7830-29E6-5040-BC4F-D437EE0B6FD5}" type="slidenum">
               <a:rPr lang="en-US" smtClean="0"/>
-              <a:t>4</a:t>
+              <a:t>5</a:t>
             </a:fld>
             <a:endParaRPr lang="en-US"/>
           </a:p>
@@ -832,7 +833,7 @@
           <a:p>
             <a:fld id="{0FEE7830-29E6-5040-BC4F-D437EE0B6FD5}" type="slidenum">
               <a:rPr lang="en-US" smtClean="0"/>
-              <a:t>5</a:t>
+              <a:t>6</a:t>
             </a:fld>
             <a:endParaRPr lang="en-US"/>
           </a:p>
@@ -916,7 +917,7 @@
           <a:p>
             <a:fld id="{0FEE7830-29E6-5040-BC4F-D437EE0B6FD5}" type="slidenum">
               <a:rPr lang="en-US" smtClean="0"/>
-              <a:t>7</a:t>
+              <a:t>8</a:t>
             </a:fld>
             <a:endParaRPr lang="en-US"/>
           </a:p>
@@ -1000,7 +1001,7 @@
           <a:p>
             <a:fld id="{0FEE7830-29E6-5040-BC4F-D437EE0B6FD5}" type="slidenum">
               <a:rPr lang="en-US" smtClean="0"/>
-              <a:t>8</a:t>
+              <a:t>9</a:t>
             </a:fld>
             <a:endParaRPr lang="en-US"/>
           </a:p>
@@ -1010,6 +1011,90 @@
     <p:extLst>
       <p:ext uri="{BB962C8B-B14F-4D97-AF65-F5344CB8AC3E}">
         <p14:creationId xmlns:p14="http://schemas.microsoft.com/office/powerpoint/2010/main" val="3940827689"/>
+      </p:ext>
+    </p:extLst>
+  </p:cSld>
+  <p:clrMapOvr>
+    <a:masterClrMapping/>
+  </p:clrMapOvr>
+</p:notes>
+</file>
+
+<file path=ppt/notesSlides/notesSlide7.xml><?xml version="1.0" encoding="utf-8"?>
+<p:notes xmlns:a="http://schemas.openxmlformats.org/drawingml/2006/main" xmlns:r="http://schemas.openxmlformats.org/officeDocument/2006/relationships" xmlns:p="http://schemas.openxmlformats.org/presentationml/2006/main">
+  <p:cSld>
+    <p:spTree>
+      <p:nvGrpSpPr>
+        <p:cNvPr id="1" name=""/>
+        <p:cNvGrpSpPr/>
+        <p:nvPr/>
+      </p:nvGrpSpPr>
+      <p:grpSpPr>
+        <a:xfrm>
+          <a:off x="0" y="0"/>
+          <a:ext cx="0" cy="0"/>
+          <a:chOff x="0" y="0"/>
+          <a:chExt cx="0" cy="0"/>
+        </a:xfrm>
+      </p:grpSpPr>
+      <p:sp>
+        <p:nvSpPr>
+          <p:cNvPr id="2" name="Slide Image Placeholder 1"/>
+          <p:cNvSpPr>
+            <a:spLocks noGrp="1" noRot="1" noChangeAspect="1"/>
+          </p:cNvSpPr>
+          <p:nvPr>
+            <p:ph type="sldImg"/>
+          </p:nvPr>
+        </p:nvSpPr>
+        <p:spPr/>
+      </p:sp>
+      <p:sp>
+        <p:nvSpPr>
+          <p:cNvPr id="3" name="Notes Placeholder 2"/>
+          <p:cNvSpPr>
+            <a:spLocks noGrp="1"/>
+          </p:cNvSpPr>
+          <p:nvPr>
+            <p:ph type="body" idx="1"/>
+          </p:nvPr>
+        </p:nvSpPr>
+        <p:spPr/>
+        <p:txBody>
+          <a:bodyPr/>
+          <a:lstStyle/>
+          <a:p>
+            <a:endParaRPr lang="en-US" dirty="0"/>
+          </a:p>
+        </p:txBody>
+      </p:sp>
+      <p:sp>
+        <p:nvSpPr>
+          <p:cNvPr id="4" name="Slide Number Placeholder 3"/>
+          <p:cNvSpPr>
+            <a:spLocks noGrp="1"/>
+          </p:cNvSpPr>
+          <p:nvPr>
+            <p:ph type="sldNum" sz="quarter" idx="5"/>
+          </p:nvPr>
+        </p:nvSpPr>
+        <p:spPr/>
+        <p:txBody>
+          <a:bodyPr/>
+          <a:lstStyle/>
+          <a:p>
+            <a:fld id="{0FEE7830-29E6-5040-BC4F-D437EE0B6FD5}" type="slidenum">
+              <a:rPr lang="en-US" smtClean="0"/>
+              <a:t>10</a:t>
+            </a:fld>
+            <a:endParaRPr lang="en-US"/>
+          </a:p>
+        </p:txBody>
+      </p:sp>
+    </p:spTree>
+    <p:extLst>
+      <p:ext uri="{BB962C8B-B14F-4D97-AF65-F5344CB8AC3E}">
+        <p14:creationId xmlns:p14="http://schemas.microsoft.com/office/powerpoint/2010/main" val="4036293626"/>
       </p:ext>
     </p:extLst>
   </p:cSld>
@@ -1167,7 +1252,7 @@
             <a:fld id="{B61BEF0D-F0BB-DE4B-95CE-6DB70DBA9567}" type="datetimeFigureOut">
               <a:rPr lang="en-US" smtClean="0"/>
               <a:pPr/>
-              <a:t>2/18/19</a:t>
+              <a:t>2/20/19</a:t>
             </a:fld>
             <a:endParaRPr lang="en-US" dirty="0"/>
           </a:p>
@@ -1367,7 +1452,7 @@
             <a:fld id="{B61BEF0D-F0BB-DE4B-95CE-6DB70DBA9567}" type="datetimeFigureOut">
               <a:rPr lang="en-US" smtClean="0"/>
               <a:pPr/>
-              <a:t>2/18/19</a:t>
+              <a:t>2/20/19</a:t>
             </a:fld>
             <a:endParaRPr lang="en-US" dirty="0"/>
           </a:p>
@@ -1577,7 +1662,7 @@
             <a:fld id="{B61BEF0D-F0BB-DE4B-95CE-6DB70DBA9567}" type="datetimeFigureOut">
               <a:rPr lang="en-US" smtClean="0"/>
               <a:pPr/>
-              <a:t>2/18/19</a:t>
+              <a:t>2/20/19</a:t>
             </a:fld>
             <a:endParaRPr lang="en-US" dirty="0"/>
           </a:p>
@@ -1777,7 +1862,7 @@
             <a:fld id="{B61BEF0D-F0BB-DE4B-95CE-6DB70DBA9567}" type="datetimeFigureOut">
               <a:rPr lang="en-US" smtClean="0"/>
               <a:pPr/>
-              <a:t>2/18/19</a:t>
+              <a:t>2/20/19</a:t>
             </a:fld>
             <a:endParaRPr lang="en-US" dirty="0"/>
           </a:p>
@@ -2054,7 +2139,7 @@
             <a:fld id="{B61BEF0D-F0BB-DE4B-95CE-6DB70DBA9567}" type="datetimeFigureOut">
               <a:rPr lang="en-US" smtClean="0"/>
               <a:pPr/>
-              <a:t>2/18/19</a:t>
+              <a:t>2/20/19</a:t>
             </a:fld>
             <a:endParaRPr lang="en-US" dirty="0"/>
           </a:p>
@@ -2321,7 +2406,7 @@
             <a:fld id="{B61BEF0D-F0BB-DE4B-95CE-6DB70DBA9567}" type="datetimeFigureOut">
               <a:rPr lang="en-US" smtClean="0"/>
               <a:pPr/>
-              <a:t>2/18/19</a:t>
+              <a:t>2/20/19</a:t>
             </a:fld>
             <a:endParaRPr lang="en-US" dirty="0"/>
           </a:p>
@@ -2735,7 +2820,7 @@
             <a:fld id="{B61BEF0D-F0BB-DE4B-95CE-6DB70DBA9567}" type="datetimeFigureOut">
               <a:rPr lang="en-US" smtClean="0"/>
               <a:pPr/>
-              <a:t>2/18/19</a:t>
+              <a:t>2/20/19</a:t>
             </a:fld>
             <a:endParaRPr lang="en-US" dirty="0"/>
           </a:p>
@@ -2878,7 +2963,7 @@
             <a:fld id="{B61BEF0D-F0BB-DE4B-95CE-6DB70DBA9567}" type="datetimeFigureOut">
               <a:rPr lang="en-US" smtClean="0"/>
               <a:pPr/>
-              <a:t>2/18/19</a:t>
+              <a:t>2/20/19</a:t>
             </a:fld>
             <a:endParaRPr lang="en-US" dirty="0"/>
           </a:p>
@@ -2993,7 +3078,7 @@
             <a:fld id="{B61BEF0D-F0BB-DE4B-95CE-6DB70DBA9567}" type="datetimeFigureOut">
               <a:rPr lang="en-US" smtClean="0"/>
               <a:pPr/>
-              <a:t>2/18/19</a:t>
+              <a:t>2/20/19</a:t>
             </a:fld>
             <a:endParaRPr lang="en-US" dirty="0"/>
           </a:p>
@@ -3306,7 +3391,7 @@
             <a:fld id="{B61BEF0D-F0BB-DE4B-95CE-6DB70DBA9567}" type="datetimeFigureOut">
               <a:rPr lang="en-US" smtClean="0"/>
               <a:pPr/>
-              <a:t>2/18/19</a:t>
+              <a:t>2/20/19</a:t>
             </a:fld>
             <a:endParaRPr lang="en-US" dirty="0"/>
           </a:p>
@@ -3596,7 +3681,7 @@
             <a:fld id="{B61BEF0D-F0BB-DE4B-95CE-6DB70DBA9567}" type="datetimeFigureOut">
               <a:rPr lang="en-US" smtClean="0"/>
               <a:pPr/>
-              <a:t>2/18/19</a:t>
+              <a:t>2/20/19</a:t>
             </a:fld>
             <a:endParaRPr lang="en-US" dirty="0"/>
           </a:p>
@@ -3839,7 +3924,7 @@
             <a:fld id="{B61BEF0D-F0BB-DE4B-95CE-6DB70DBA9567}" type="datetimeFigureOut">
               <a:rPr lang="en-US" smtClean="0"/>
               <a:pPr/>
-              <a:t>2/18/19</a:t>
+              <a:t>2/20/19</a:t>
             </a:fld>
             <a:endParaRPr lang="en-US" dirty="0"/>
           </a:p>
@@ -4356,7 +4441,7 @@
           <p:cNvPr id="2" name="Title 1">
             <a:extLst>
               <a:ext uri="{FF2B5EF4-FFF2-40B4-BE49-F238E27FC236}">
-                <a16:creationId xmlns:a16="http://schemas.microsoft.com/office/drawing/2014/main" id="{4BBD5750-9EB0-4848-948E-B082E12EC135}"/>
+                <a16:creationId xmlns:a16="http://schemas.microsoft.com/office/drawing/2014/main" id="{3567B772-6944-9443-A262-6FC36ED6D494}"/>
               </a:ext>
             </a:extLst>
           </p:cNvPr>
@@ -4369,20 +4454,185 @@
         </p:nvSpPr>
         <p:spPr/>
         <p:txBody>
-          <a:bodyPr/>
+          <a:bodyPr>
+            <a:normAutofit fontScale="90000"/>
+          </a:bodyPr>
           <a:lstStyle/>
           <a:p>
             <a:r>
               <a:rPr lang="en-US" dirty="0"/>
-              <a:t>Questions</a:t>
-            </a:r>
-          </a:p>
-        </p:txBody>
-      </p:sp>
+              <a:t>Data Analysis</a:t>
+            </a:r>
+            <a:br>
+              <a:rPr lang="en-US" dirty="0"/>
+            </a:br>
+            <a:br>
+              <a:rPr lang="en-US" sz="2700" dirty="0"/>
+            </a:br>
+            <a:endParaRPr lang="en-US" sz="2700" dirty="0"/>
+          </a:p>
+        </p:txBody>
+      </p:sp>
+      <p:pic>
+        <p:nvPicPr>
+          <p:cNvPr id="4" name="Picture 3">
+            <a:extLst>
+              <a:ext uri="{FF2B5EF4-FFF2-40B4-BE49-F238E27FC236}">
+                <a16:creationId xmlns:a16="http://schemas.microsoft.com/office/drawing/2014/main" id="{519C2644-DB95-7247-A2BF-368381145231}"/>
+              </a:ext>
+            </a:extLst>
+          </p:cNvPr>
+          <p:cNvPicPr>
+            <a:picLocks noChangeAspect="1"/>
+          </p:cNvPicPr>
+          <p:nvPr/>
+        </p:nvPicPr>
+        <p:blipFill>
+          <a:blip r:embed="rId3"/>
+          <a:stretch>
+            <a:fillRect/>
+          </a:stretch>
+        </p:blipFill>
+        <p:spPr>
+          <a:xfrm>
+            <a:off x="3924300" y="879937"/>
+            <a:ext cx="5986591" cy="5978063"/>
+          </a:xfrm>
+          <a:prstGeom prst="rect">
+            <a:avLst/>
+          </a:prstGeom>
+        </p:spPr>
+      </p:pic>
     </p:spTree>
     <p:extLst>
       <p:ext uri="{BB962C8B-B14F-4D97-AF65-F5344CB8AC3E}">
-        <p14:creationId xmlns:p14="http://schemas.microsoft.com/office/powerpoint/2010/main" val="1314062954"/>
+        <p14:creationId xmlns:p14="http://schemas.microsoft.com/office/powerpoint/2010/main" val="1224312690"/>
+      </p:ext>
+    </p:extLst>
+  </p:cSld>
+  <p:clrMapOvr>
+    <a:masterClrMapping/>
+  </p:clrMapOvr>
+</p:sld>
+</file>
+
+<file path=ppt/slides/slide11.xml><?xml version="1.0" encoding="utf-8"?>
+<p:sld xmlns:a="http://schemas.openxmlformats.org/drawingml/2006/main" xmlns:r="http://schemas.openxmlformats.org/officeDocument/2006/relationships" xmlns:p="http://schemas.openxmlformats.org/presentationml/2006/main">
+  <p:cSld>
+    <p:spTree>
+      <p:nvGrpSpPr>
+        <p:cNvPr id="1" name=""/>
+        <p:cNvGrpSpPr/>
+        <p:nvPr/>
+      </p:nvGrpSpPr>
+      <p:grpSpPr>
+        <a:xfrm>
+          <a:off x="0" y="0"/>
+          <a:ext cx="0" cy="0"/>
+          <a:chOff x="0" y="0"/>
+          <a:chExt cx="0" cy="0"/>
+        </a:xfrm>
+      </p:grpSpPr>
+      <p:sp>
+        <p:nvSpPr>
+          <p:cNvPr id="2" name="Title 1">
+            <a:extLst>
+              <a:ext uri="{FF2B5EF4-FFF2-40B4-BE49-F238E27FC236}">
+                <a16:creationId xmlns:a16="http://schemas.microsoft.com/office/drawing/2014/main" id="{2988C076-FC55-F34A-813F-CF4ED7A3F89E}"/>
+              </a:ext>
+            </a:extLst>
+          </p:cNvPr>
+          <p:cNvSpPr>
+            <a:spLocks noGrp="1"/>
+          </p:cNvSpPr>
+          <p:nvPr>
+            <p:ph type="title"/>
+          </p:nvPr>
+        </p:nvSpPr>
+        <p:spPr/>
+        <p:txBody>
+          <a:bodyPr/>
+          <a:lstStyle/>
+          <a:p>
+            <a:r>
+              <a:rPr lang="en-US" dirty="0"/>
+              <a:t>Post Mortem</a:t>
+            </a:r>
+          </a:p>
+        </p:txBody>
+      </p:sp>
+      <p:sp>
+        <p:nvSpPr>
+          <p:cNvPr id="3" name="Content Placeholder 2">
+            <a:extLst>
+              <a:ext uri="{FF2B5EF4-FFF2-40B4-BE49-F238E27FC236}">
+                <a16:creationId xmlns:a16="http://schemas.microsoft.com/office/drawing/2014/main" id="{AA3A6A96-5BBB-D244-A28F-5D000F2DAA3D}"/>
+              </a:ext>
+            </a:extLst>
+          </p:cNvPr>
+          <p:cNvSpPr>
+            <a:spLocks noGrp="1"/>
+          </p:cNvSpPr>
+          <p:nvPr>
+            <p:ph idx="1"/>
+          </p:nvPr>
+        </p:nvSpPr>
+        <p:spPr/>
+        <p:txBody>
+          <a:bodyPr>
+            <a:normAutofit/>
+          </a:bodyPr>
+          <a:lstStyle/>
+          <a:p>
+            <a:r>
+              <a:rPr lang="en-US" dirty="0"/>
+              <a:t>Data Limitations</a:t>
+            </a:r>
+          </a:p>
+          <a:p>
+            <a:pPr lvl="1"/>
+            <a:r>
+              <a:rPr lang="en-US" dirty="0"/>
+              <a:t>Many of the attributes in the original data set were missing</a:t>
+            </a:r>
+          </a:p>
+          <a:p>
+            <a:r>
+              <a:rPr lang="en-US" dirty="0"/>
+              <a:t>Additional Data/Questions</a:t>
+            </a:r>
+          </a:p>
+          <a:p>
+            <a:pPr lvl="1"/>
+            <a:r>
+              <a:rPr lang="en-US" dirty="0"/>
+              <a:t>Future work – Look at top 10 in skiable distance vs bottom 10 in skiable distance – does it impact slope offering variety?</a:t>
+            </a:r>
+          </a:p>
+          <a:p>
+            <a:pPr lvl="1"/>
+            <a:r>
+              <a:rPr lang="en-US" dirty="0"/>
+              <a:t>Layer in average snowfall</a:t>
+            </a:r>
+          </a:p>
+          <a:p>
+            <a:pPr lvl="1"/>
+            <a:r>
+              <a:rPr lang="en-US" dirty="0"/>
+              <a:t>Create additional base maps</a:t>
+            </a:r>
+          </a:p>
+          <a:p>
+            <a:pPr lvl="1"/>
+            <a:endParaRPr lang="en-US" dirty="0"/>
+          </a:p>
+        </p:txBody>
+      </p:sp>
+    </p:spTree>
+    <p:extLst>
+      <p:ext uri="{BB962C8B-B14F-4D97-AF65-F5344CB8AC3E}">
+        <p14:creationId xmlns:p14="http://schemas.microsoft.com/office/powerpoint/2010/main" val="3599976240"/>
       </p:ext>
     </p:extLst>
   </p:cSld>
@@ -4637,7 +4887,7 @@
             <a:pPr lvl="1"/>
             <a:r>
               <a:rPr lang="en-US" dirty="0"/>
-              <a:t>Some data was misclassified (e.g. Greenland)</a:t>
+              <a:t>Removed Greenland because it didn’t fit nicely on our map (apologies Greenland!)</a:t>
             </a:r>
           </a:p>
         </p:txBody>
@@ -4656,6 +4906,181 @@
 </file>
 
 <file path=ppt/slides/slide4.xml><?xml version="1.0" encoding="utf-8"?>
+<p:sld xmlns:a="http://schemas.openxmlformats.org/drawingml/2006/main" xmlns:r="http://schemas.openxmlformats.org/officeDocument/2006/relationships" xmlns:p="http://schemas.openxmlformats.org/presentationml/2006/main">
+  <p:cSld>
+    <p:spTree>
+      <p:nvGrpSpPr>
+        <p:cNvPr id="1" name=""/>
+        <p:cNvGrpSpPr/>
+        <p:nvPr/>
+      </p:nvGrpSpPr>
+      <p:grpSpPr>
+        <a:xfrm>
+          <a:off x="0" y="0"/>
+          <a:ext cx="0" cy="0"/>
+          <a:chOff x="0" y="0"/>
+          <a:chExt cx="0" cy="0"/>
+        </a:xfrm>
+      </p:grpSpPr>
+      <p:sp>
+        <p:nvSpPr>
+          <p:cNvPr id="2" name="Title 1">
+            <a:extLst>
+              <a:ext uri="{FF2B5EF4-FFF2-40B4-BE49-F238E27FC236}">
+                <a16:creationId xmlns:a16="http://schemas.microsoft.com/office/drawing/2014/main" id="{4BBD5750-9EB0-4848-948E-B082E12EC135}"/>
+              </a:ext>
+            </a:extLst>
+          </p:cNvPr>
+          <p:cNvSpPr>
+            <a:spLocks noGrp="1"/>
+          </p:cNvSpPr>
+          <p:nvPr>
+            <p:ph type="title"/>
+          </p:nvPr>
+        </p:nvSpPr>
+        <p:spPr/>
+        <p:txBody>
+          <a:bodyPr/>
+          <a:lstStyle/>
+          <a:p>
+            <a:r>
+              <a:rPr lang="en-US" dirty="0"/>
+              <a:t>Process / Architecture</a:t>
+            </a:r>
+          </a:p>
+        </p:txBody>
+      </p:sp>
+      <p:sp>
+        <p:nvSpPr>
+          <p:cNvPr id="4" name="Content Placeholder 2">
+            <a:extLst>
+              <a:ext uri="{FF2B5EF4-FFF2-40B4-BE49-F238E27FC236}">
+                <a16:creationId xmlns:a16="http://schemas.microsoft.com/office/drawing/2014/main" id="{BAE88E6D-9555-5F4C-9F37-C75902BCEDBA}"/>
+              </a:ext>
+            </a:extLst>
+          </p:cNvPr>
+          <p:cNvSpPr>
+            <a:spLocks noGrp="1"/>
+          </p:cNvSpPr>
+          <p:nvPr>
+            <p:ph idx="1"/>
+          </p:nvPr>
+        </p:nvSpPr>
+        <p:spPr>
+          <a:xfrm>
+            <a:off x="838200" y="1825625"/>
+            <a:ext cx="10515600" cy="4351338"/>
+          </a:xfrm>
+        </p:spPr>
+        <p:txBody>
+          <a:bodyPr>
+            <a:normAutofit/>
+          </a:bodyPr>
+          <a:lstStyle/>
+          <a:p>
+            <a:r>
+              <a:rPr lang="en-US" dirty="0"/>
+              <a:t>CSV converted to </a:t>
+            </a:r>
+            <a:r>
+              <a:rPr lang="en-US" dirty="0" err="1"/>
+              <a:t>json</a:t>
+            </a:r>
+            <a:r>
+              <a:rPr lang="en-US" dirty="0"/>
+              <a:t> and then </a:t>
+            </a:r>
+            <a:r>
+              <a:rPr lang="en-US" dirty="0" err="1"/>
+              <a:t>geojson</a:t>
+            </a:r>
+            <a:r>
+              <a:rPr lang="en-US" dirty="0"/>
+              <a:t> (python script)</a:t>
+            </a:r>
+          </a:p>
+          <a:p>
+            <a:r>
+              <a:rPr lang="en-US" dirty="0"/>
+              <a:t>Lat/long python script</a:t>
+            </a:r>
+          </a:p>
+          <a:p>
+            <a:r>
+              <a:rPr lang="en-US" dirty="0"/>
+              <a:t>Given small data set, created </a:t>
+            </a:r>
+            <a:r>
+              <a:rPr lang="en-US" dirty="0" err="1"/>
+              <a:t>sqlite</a:t>
+            </a:r>
+            <a:r>
+              <a:rPr lang="en-US" dirty="0"/>
+              <a:t> (python script); though also created schema for </a:t>
+            </a:r>
+            <a:r>
+              <a:rPr lang="en-US" dirty="0" err="1"/>
+              <a:t>mySQL</a:t>
+            </a:r>
+            <a:endParaRPr lang="en-US" dirty="0"/>
+          </a:p>
+          <a:p>
+            <a:r>
+              <a:rPr lang="en-US" dirty="0"/>
+              <a:t>Flask/</a:t>
+            </a:r>
+            <a:r>
+              <a:rPr lang="en-US" dirty="0" err="1"/>
+              <a:t>Sqlalchemy</a:t>
+            </a:r>
+            <a:endParaRPr lang="en-US" dirty="0"/>
+          </a:p>
+          <a:p>
+            <a:r>
+              <a:rPr lang="en-US" dirty="0"/>
+              <a:t>Leaflet/</a:t>
+            </a:r>
+            <a:r>
+              <a:rPr lang="en-US" dirty="0" err="1"/>
+              <a:t>Plotly</a:t>
+            </a:r>
+            <a:r>
+              <a:rPr lang="en-US" dirty="0"/>
+              <a:t>/D3</a:t>
+            </a:r>
+          </a:p>
+          <a:p>
+            <a:r>
+              <a:rPr lang="en-US" dirty="0"/>
+              <a:t>HTML/CSS/Bootstrap</a:t>
+            </a:r>
+          </a:p>
+          <a:p>
+            <a:r>
+              <a:rPr lang="en-US" dirty="0"/>
+              <a:t>Heroku deployment</a:t>
+            </a:r>
+          </a:p>
+          <a:p>
+            <a:pPr lvl="1"/>
+            <a:endParaRPr lang="en-US" dirty="0"/>
+          </a:p>
+        </p:txBody>
+      </p:sp>
+    </p:spTree>
+    <p:extLst>
+      <p:ext uri="{BB962C8B-B14F-4D97-AF65-F5344CB8AC3E}">
+        <p14:creationId xmlns:p14="http://schemas.microsoft.com/office/powerpoint/2010/main" val="1314062954"/>
+      </p:ext>
+    </p:extLst>
+  </p:cSld>
+  <p:clrMapOvr>
+    <a:masterClrMapping/>
+  </p:clrMapOvr>
+</p:sld>
+</file>
+
+<file path=ppt/slides/slide5.xml><?xml version="1.0" encoding="utf-8"?>
 <p:sld xmlns:a="http://schemas.openxmlformats.org/drawingml/2006/main" xmlns:r="http://schemas.openxmlformats.org/officeDocument/2006/relationships" xmlns:p="http://schemas.openxmlformats.org/presentationml/2006/main">
   <p:cSld>
     <p:spTree>
@@ -4743,7 +5168,7 @@
 </p:sld>
 </file>
 
-<file path=ppt/slides/slide5.xml><?xml version="1.0" encoding="utf-8"?>
+<file path=ppt/slides/slide6.xml><?xml version="1.0" encoding="utf-8"?>
 <p:sld xmlns:a="http://schemas.openxmlformats.org/drawingml/2006/main" xmlns:r="http://schemas.openxmlformats.org/officeDocument/2006/relationships" xmlns:p="http://schemas.openxmlformats.org/presentationml/2006/main">
   <p:cSld>
     <p:spTree>
@@ -4783,7 +5208,7 @@
           <a:p>
             <a:r>
               <a:rPr lang="en-US" dirty="0"/>
-              <a:t>Data Exploration - Overview</a:t>
+              <a:t>Data Exploration – Overview (cut from final)</a:t>
             </a:r>
           </a:p>
         </p:txBody>
@@ -4831,7 +5256,7 @@
 </p:sld>
 </file>
 
-<file path=ppt/slides/slide6.xml><?xml version="1.0" encoding="utf-8"?>
+<file path=ppt/slides/slide7.xml><?xml version="1.0" encoding="utf-8"?>
 <p:sld xmlns:a="http://schemas.openxmlformats.org/drawingml/2006/main" xmlns:r="http://schemas.openxmlformats.org/officeDocument/2006/relationships" xmlns:p="http://schemas.openxmlformats.org/presentationml/2006/main">
   <p:cSld>
     <p:spTree>
@@ -4941,7 +5366,7 @@
 </p:sld>
 </file>
 
-<file path=ppt/slides/slide7.xml><?xml version="1.0" encoding="utf-8"?>
+<file path=ppt/slides/slide8.xml><?xml version="1.0" encoding="utf-8"?>
 <p:sld xmlns:a="http://schemas.openxmlformats.org/drawingml/2006/main" xmlns:r="http://schemas.openxmlformats.org/officeDocument/2006/relationships" xmlns:p="http://schemas.openxmlformats.org/presentationml/2006/main">
   <p:cSld>
     <p:spTree>
@@ -5042,7 +5467,7 @@
 </p:sld>
 </file>
 
-<file path=ppt/slides/slide8.xml><?xml version="1.0" encoding="utf-8"?>
+<file path=ppt/slides/slide9.xml><?xml version="1.0" encoding="utf-8"?>
 <p:sld xmlns:a="http://schemas.openxmlformats.org/drawingml/2006/main" xmlns:r="http://schemas.openxmlformats.org/officeDocument/2006/relationships" xmlns:p="http://schemas.openxmlformats.org/presentationml/2006/main">
   <p:cSld>
     <p:spTree>
@@ -5092,6 +5517,13 @@
             <a:r>
               <a:rPr lang="en-US" sz="2800" dirty="0"/>
               <a:t>Who has better pricing?</a:t>
+            </a:r>
+            <a:br>
+              <a:rPr lang="en-US" sz="2800" dirty="0"/>
+            </a:br>
+            <a:r>
+              <a:rPr lang="en-US" sz="2800" dirty="0"/>
+              <a:t>What factors correlate?</a:t>
             </a:r>
             <a:br>
               <a:rPr lang="en-US" sz="2700" dirty="0"/>
@@ -5134,122 +5566,6 @@
     <p:extLst>
       <p:ext uri="{BB962C8B-B14F-4D97-AF65-F5344CB8AC3E}">
         <p14:creationId xmlns:p14="http://schemas.microsoft.com/office/powerpoint/2010/main" val="614243488"/>
-      </p:ext>
-    </p:extLst>
-  </p:cSld>
-  <p:clrMapOvr>
-    <a:masterClrMapping/>
-  </p:clrMapOvr>
-</p:sld>
-</file>
-
-<file path=ppt/slides/slide9.xml><?xml version="1.0" encoding="utf-8"?>
-<p:sld xmlns:a="http://schemas.openxmlformats.org/drawingml/2006/main" xmlns:r="http://schemas.openxmlformats.org/officeDocument/2006/relationships" xmlns:p="http://schemas.openxmlformats.org/presentationml/2006/main">
-  <p:cSld>
-    <p:spTree>
-      <p:nvGrpSpPr>
-        <p:cNvPr id="1" name=""/>
-        <p:cNvGrpSpPr/>
-        <p:nvPr/>
-      </p:nvGrpSpPr>
-      <p:grpSpPr>
-        <a:xfrm>
-          <a:off x="0" y="0"/>
-          <a:ext cx="0" cy="0"/>
-          <a:chOff x="0" y="0"/>
-          <a:chExt cx="0" cy="0"/>
-        </a:xfrm>
-      </p:grpSpPr>
-      <p:sp>
-        <p:nvSpPr>
-          <p:cNvPr id="2" name="Title 1">
-            <a:extLst>
-              <a:ext uri="{FF2B5EF4-FFF2-40B4-BE49-F238E27FC236}">
-                <a16:creationId xmlns:a16="http://schemas.microsoft.com/office/drawing/2014/main" id="{2988C076-FC55-F34A-813F-CF4ED7A3F89E}"/>
-              </a:ext>
-            </a:extLst>
-          </p:cNvPr>
-          <p:cNvSpPr>
-            <a:spLocks noGrp="1"/>
-          </p:cNvSpPr>
-          <p:nvPr>
-            <p:ph type="title"/>
-          </p:nvPr>
-        </p:nvSpPr>
-        <p:spPr/>
-        <p:txBody>
-          <a:bodyPr/>
-          <a:lstStyle/>
-          <a:p>
-            <a:r>
-              <a:rPr lang="en-US" dirty="0"/>
-              <a:t>Post Mortem</a:t>
-            </a:r>
-          </a:p>
-        </p:txBody>
-      </p:sp>
-      <p:sp>
-        <p:nvSpPr>
-          <p:cNvPr id="3" name="Content Placeholder 2">
-            <a:extLst>
-              <a:ext uri="{FF2B5EF4-FFF2-40B4-BE49-F238E27FC236}">
-                <a16:creationId xmlns:a16="http://schemas.microsoft.com/office/drawing/2014/main" id="{AA3A6A96-5BBB-D244-A28F-5D000F2DAA3D}"/>
-              </a:ext>
-            </a:extLst>
-          </p:cNvPr>
-          <p:cNvSpPr>
-            <a:spLocks noGrp="1"/>
-          </p:cNvSpPr>
-          <p:nvPr>
-            <p:ph idx="1"/>
-          </p:nvPr>
-        </p:nvSpPr>
-        <p:spPr/>
-        <p:txBody>
-          <a:bodyPr>
-            <a:normAutofit/>
-          </a:bodyPr>
-          <a:lstStyle/>
-          <a:p>
-            <a:r>
-              <a:rPr lang="en-US" dirty="0"/>
-              <a:t>Data Limitations</a:t>
-            </a:r>
-          </a:p>
-          <a:p>
-            <a:pPr lvl="1"/>
-            <a:r>
-              <a:rPr lang="en-US" dirty="0"/>
-              <a:t>Many of the attributes in the original data set were missing</a:t>
-            </a:r>
-          </a:p>
-          <a:p>
-            <a:r>
-              <a:rPr lang="en-US" dirty="0"/>
-              <a:t>Additional Data/Questions</a:t>
-            </a:r>
-          </a:p>
-          <a:p>
-            <a:pPr lvl="1"/>
-            <a:r>
-              <a:rPr lang="en-US" dirty="0"/>
-              <a:t>Future work – Look at top 10 in skiable distance vs bottom 10 in skiable distance – does it impact slope </a:t>
-            </a:r>
-            <a:r>
-              <a:rPr lang="en-US"/>
-              <a:t>offering variety?</a:t>
-            </a:r>
-          </a:p>
-          <a:p>
-            <a:pPr lvl="1"/>
-            <a:endParaRPr lang="en-US" dirty="0"/>
-          </a:p>
-        </p:txBody>
-      </p:sp>
-    </p:spTree>
-    <p:extLst>
-      <p:ext uri="{BB962C8B-B14F-4D97-AF65-F5344CB8AC3E}">
-        <p14:creationId xmlns:p14="http://schemas.microsoft.com/office/powerpoint/2010/main" val="3599976240"/>
       </p:ext>
     </p:extLst>
   </p:cSld>
